--- a/docs/diagrams/SortActivityDiagram.pptx
+++ b/docs/diagrams/SortActivityDiagram.pptx
@@ -261,7 +261,7 @@
           <a:p>
             <a:fld id="{542F47FF-5056-41FF-A1F8-23A414798AA4}" type="datetimeFigureOut">
               <a:rPr lang="en-SG" smtClean="0"/>
-              <a:t>14/4/19</a:t>
+              <a:t>15/4/19</a:t>
             </a:fld>
             <a:endParaRPr lang="en-SG"/>
           </a:p>
@@ -461,7 +461,7 @@
           <a:p>
             <a:fld id="{542F47FF-5056-41FF-A1F8-23A414798AA4}" type="datetimeFigureOut">
               <a:rPr lang="en-SG" smtClean="0"/>
-              <a:t>14/4/19</a:t>
+              <a:t>15/4/19</a:t>
             </a:fld>
             <a:endParaRPr lang="en-SG"/>
           </a:p>
@@ -671,7 +671,7 @@
           <a:p>
             <a:fld id="{542F47FF-5056-41FF-A1F8-23A414798AA4}" type="datetimeFigureOut">
               <a:rPr lang="en-SG" smtClean="0"/>
-              <a:t>14/4/19</a:t>
+              <a:t>15/4/19</a:t>
             </a:fld>
             <a:endParaRPr lang="en-SG"/>
           </a:p>
@@ -871,7 +871,7 @@
           <a:p>
             <a:fld id="{542F47FF-5056-41FF-A1F8-23A414798AA4}" type="datetimeFigureOut">
               <a:rPr lang="en-SG" smtClean="0"/>
-              <a:t>14/4/19</a:t>
+              <a:t>15/4/19</a:t>
             </a:fld>
             <a:endParaRPr lang="en-SG"/>
           </a:p>
@@ -1147,7 +1147,7 @@
           <a:p>
             <a:fld id="{542F47FF-5056-41FF-A1F8-23A414798AA4}" type="datetimeFigureOut">
               <a:rPr lang="en-SG" smtClean="0"/>
-              <a:t>14/4/19</a:t>
+              <a:t>15/4/19</a:t>
             </a:fld>
             <a:endParaRPr lang="en-SG"/>
           </a:p>
@@ -1415,7 +1415,7 @@
           <a:p>
             <a:fld id="{542F47FF-5056-41FF-A1F8-23A414798AA4}" type="datetimeFigureOut">
               <a:rPr lang="en-SG" smtClean="0"/>
-              <a:t>14/4/19</a:t>
+              <a:t>15/4/19</a:t>
             </a:fld>
             <a:endParaRPr lang="en-SG"/>
           </a:p>
@@ -1830,7 +1830,7 @@
           <a:p>
             <a:fld id="{542F47FF-5056-41FF-A1F8-23A414798AA4}" type="datetimeFigureOut">
               <a:rPr lang="en-SG" smtClean="0"/>
-              <a:t>14/4/19</a:t>
+              <a:t>15/4/19</a:t>
             </a:fld>
             <a:endParaRPr lang="en-SG"/>
           </a:p>
@@ -1972,7 +1972,7 @@
           <a:p>
             <a:fld id="{542F47FF-5056-41FF-A1F8-23A414798AA4}" type="datetimeFigureOut">
               <a:rPr lang="en-SG" smtClean="0"/>
-              <a:t>14/4/19</a:t>
+              <a:t>15/4/19</a:t>
             </a:fld>
             <a:endParaRPr lang="en-SG"/>
           </a:p>
@@ -2085,7 +2085,7 @@
           <a:p>
             <a:fld id="{542F47FF-5056-41FF-A1F8-23A414798AA4}" type="datetimeFigureOut">
               <a:rPr lang="en-SG" smtClean="0"/>
-              <a:t>14/4/19</a:t>
+              <a:t>15/4/19</a:t>
             </a:fld>
             <a:endParaRPr lang="en-SG"/>
           </a:p>
@@ -2398,7 +2398,7 @@
           <a:p>
             <a:fld id="{542F47FF-5056-41FF-A1F8-23A414798AA4}" type="datetimeFigureOut">
               <a:rPr lang="en-SG" smtClean="0"/>
-              <a:t>14/4/19</a:t>
+              <a:t>15/4/19</a:t>
             </a:fld>
             <a:endParaRPr lang="en-SG"/>
           </a:p>
@@ -2687,7 +2687,7 @@
           <a:p>
             <a:fld id="{542F47FF-5056-41FF-A1F8-23A414798AA4}" type="datetimeFigureOut">
               <a:rPr lang="en-SG" smtClean="0"/>
-              <a:t>14/4/19</a:t>
+              <a:t>15/4/19</a:t>
             </a:fld>
             <a:endParaRPr lang="en-SG"/>
           </a:p>
@@ -2930,7 +2930,7 @@
           <a:p>
             <a:fld id="{542F47FF-5056-41FF-A1F8-23A414798AA4}" type="datetimeFigureOut">
               <a:rPr lang="en-SG" smtClean="0"/>
-              <a:t>14/4/19</a:t>
+              <a:t>15/4/19</a:t>
             </a:fld>
             <a:endParaRPr lang="en-SG"/>
           </a:p>
@@ -3361,7 +3361,7 @@
         </p:nvSpPr>
         <p:spPr>
           <a:xfrm>
-            <a:off x="-429986" y="3315932"/>
+            <a:off x="-607291" y="318789"/>
             <a:ext cx="205792" cy="205791"/>
           </a:xfrm>
           <a:prstGeom prst="ellipse">
@@ -3413,9 +3413,9 @@
           <p:nvPr/>
         </p:nvCxnSpPr>
         <p:spPr>
-          <a:xfrm flipV="1">
-            <a:off x="-224194" y="3418827"/>
-            <a:ext cx="419816" cy="1"/>
+          <a:xfrm>
+            <a:off x="-401499" y="421685"/>
+            <a:ext cx="498320" cy="4702"/>
           </a:xfrm>
           <a:prstGeom prst="straightConnector1">
             <a:avLst/>
@@ -3453,7 +3453,7 @@
         </p:nvSpPr>
         <p:spPr>
           <a:xfrm>
-            <a:off x="195622" y="3110800"/>
+            <a:off x="96821" y="118360"/>
             <a:ext cx="1646229" cy="616053"/>
           </a:xfrm>
           <a:prstGeom prst="roundRect">
@@ -3503,14 +3503,14 @@
           <p:cNvCxnSpPr>
             <a:cxnSpLocks/>
             <a:stCxn id="34" idx="3"/>
-            <a:endCxn id="39" idx="1"/>
+            <a:endCxn id="38" idx="1"/>
           </p:cNvCxnSpPr>
           <p:nvPr/>
         </p:nvCxnSpPr>
         <p:spPr>
           <a:xfrm>
-            <a:off x="1841851" y="3418827"/>
-            <a:ext cx="736180" cy="2137"/>
+            <a:off x="1743050" y="426387"/>
+            <a:ext cx="498320" cy="3444"/>
           </a:xfrm>
           <a:prstGeom prst="straightConnector1">
             <a:avLst/>
@@ -3548,7 +3548,7 @@
         </p:nvSpPr>
         <p:spPr>
           <a:xfrm>
-            <a:off x="1689712" y="3756531"/>
+            <a:off x="3385842" y="-104352"/>
             <a:ext cx="1073048" cy="338554"/>
           </a:xfrm>
           <a:prstGeom prst="rect">
@@ -3584,8 +3584,8 @@
         </p:nvSpPr>
         <p:spPr>
           <a:xfrm>
-            <a:off x="1217547" y="2567295"/>
-            <a:ext cx="1534029" cy="338554"/>
+            <a:off x="4382339" y="72604"/>
+            <a:ext cx="2442046" cy="338554"/>
           </a:xfrm>
           <a:prstGeom prst="rect">
             <a:avLst/>
@@ -3605,7 +3605,7 @@
             </a:r>
             <a:r>
               <a:rPr lang="en-US" sz="1600" dirty="0"/>
-              <a:t>Valid index]</a:t>
+              <a:t>Valid command format]</a:t>
             </a:r>
             <a:endParaRPr lang="en-SG" sz="1600" dirty="0"/>
           </a:p>
@@ -3625,8 +3625,8 @@
         </p:nvSpPr>
         <p:spPr>
           <a:xfrm>
-            <a:off x="1991675" y="1539295"/>
-            <a:ext cx="1592528" cy="818092"/>
+            <a:off x="2241370" y="74155"/>
+            <a:ext cx="1592528" cy="711352"/>
           </a:xfrm>
           <a:prstGeom prst="roundRect">
             <a:avLst/>
@@ -3658,7 +3658,7 @@
             <a:pPr algn="ctr"/>
             <a:r>
               <a:rPr lang="en-SG" sz="1600" dirty="0"/>
-              <a:t>Parse index and sets selected Restaurant</a:t>
+              <a:t>Parse user’s command input</a:t>
             </a:r>
           </a:p>
         </p:txBody>
@@ -3677,7 +3677,7 @@
         </p:nvSpPr>
         <p:spPr>
           <a:xfrm>
-            <a:off x="2578031" y="3211056"/>
+            <a:off x="4217560" y="209674"/>
             <a:ext cx="419816" cy="419816"/>
           </a:xfrm>
           <a:prstGeom prst="diamond">
@@ -3708,7 +3708,7 @@
           <a:lstStyle/>
           <a:p>
             <a:pPr algn="ctr"/>
-            <a:endParaRPr lang="en-SG" sz="1600"/>
+            <a:endParaRPr lang="en-SG" sz="1600" dirty="0"/>
           </a:p>
         </p:txBody>
       </p:sp>
@@ -3726,8 +3726,8 @@
         </p:nvSpPr>
         <p:spPr>
           <a:xfrm>
-            <a:off x="1991675" y="4338542"/>
-            <a:ext cx="1592528" cy="766637"/>
+            <a:off x="3560872" y="-1061260"/>
+            <a:ext cx="1723370" cy="882495"/>
           </a:xfrm>
           <a:prstGeom prst="roundRect">
             <a:avLst/>
@@ -3759,7 +3759,7 @@
             <a:pPr algn="ctr"/>
             <a:r>
               <a:rPr lang="en-SG" sz="1600" dirty="0"/>
-              <a:t>Display invalid index error message</a:t>
+              <a:t>Display invalid command format error message</a:t>
             </a:r>
           </a:p>
         </p:txBody>
@@ -3775,15 +3775,15 @@
           </p:cNvPr>
           <p:cNvCxnSpPr>
             <a:cxnSpLocks/>
-            <a:stCxn id="39" idx="0"/>
-            <a:endCxn id="38" idx="2"/>
+            <a:stCxn id="38" idx="3"/>
+            <a:endCxn id="39" idx="1"/>
           </p:cNvCxnSpPr>
           <p:nvPr/>
         </p:nvCxnSpPr>
         <p:spPr>
           <a:xfrm flipV="1">
-            <a:off x="2787939" y="2357387"/>
-            <a:ext cx="0" cy="853669"/>
+            <a:off x="3833898" y="419582"/>
+            <a:ext cx="383662" cy="10249"/>
           </a:xfrm>
           <a:prstGeom prst="straightConnector1">
             <a:avLst/>
@@ -3809,713 +3809,24 @@
       </p:cxnSp>
       <p:cxnSp>
         <p:nvCxnSpPr>
-          <p:cNvPr id="42" name="Straight Arrow Connector 41">
-            <a:extLst>
-              <a:ext uri="{FF2B5EF4-FFF2-40B4-BE49-F238E27FC236}">
-                <a16:creationId xmlns:a16="http://schemas.microsoft.com/office/drawing/2014/main" id="{41777B46-8F53-7E44-A72A-2044289CB42C}"/>
+          <p:cNvPr id="66" name="Straight Arrow Connector 65">
+            <a:extLst>
+              <a:ext uri="{FF2B5EF4-FFF2-40B4-BE49-F238E27FC236}">
+                <a16:creationId xmlns:a16="http://schemas.microsoft.com/office/drawing/2014/main" id="{5F3F2E65-022D-B34F-8A0C-17A6BEA2AF0F}"/>
               </a:ext>
             </a:extLst>
           </p:cNvPr>
           <p:cNvCxnSpPr>
             <a:cxnSpLocks/>
-            <a:stCxn id="39" idx="2"/>
-            <a:endCxn id="40" idx="0"/>
-          </p:cNvCxnSpPr>
-          <p:nvPr/>
-        </p:nvCxnSpPr>
-        <p:spPr>
-          <a:xfrm>
-            <a:off x="2787939" y="3630872"/>
-            <a:ext cx="0" cy="707670"/>
-          </a:xfrm>
-          <a:prstGeom prst="straightConnector1">
-            <a:avLst/>
-          </a:prstGeom>
-          <a:ln>
-            <a:tailEnd type="triangle"/>
-          </a:ln>
-        </p:spPr>
-        <p:style>
-          <a:lnRef idx="1">
-            <a:schemeClr val="dk1"/>
-          </a:lnRef>
-          <a:fillRef idx="0">
-            <a:schemeClr val="dk1"/>
-          </a:fillRef>
-          <a:effectRef idx="0">
-            <a:schemeClr val="dk1"/>
-          </a:effectRef>
-          <a:fontRef idx="minor">
-            <a:schemeClr val="tx1"/>
-          </a:fontRef>
-        </p:style>
-      </p:cxnSp>
-      <p:sp>
-        <p:nvSpPr>
-          <p:cNvPr id="43" name="Rectangle: Rounded Corners 50">
-            <a:extLst>
-              <a:ext uri="{FF2B5EF4-FFF2-40B4-BE49-F238E27FC236}">
-                <a16:creationId xmlns:a16="http://schemas.microsoft.com/office/drawing/2014/main" id="{E66A2F13-8D2F-F945-80F4-DB79843237F7}"/>
-              </a:ext>
-            </a:extLst>
-          </p:cNvPr>
-          <p:cNvSpPr/>
-          <p:nvPr/>
-        </p:nvSpPr>
-        <p:spPr>
-          <a:xfrm>
-            <a:off x="6894858" y="8166"/>
-            <a:ext cx="2888286" cy="787394"/>
-          </a:xfrm>
-          <a:prstGeom prst="roundRect">
-            <a:avLst/>
-          </a:prstGeom>
-        </p:spPr>
-        <p:style>
-          <a:lnRef idx="1">
-            <a:schemeClr val="accent6"/>
-          </a:lnRef>
-          <a:fillRef idx="2">
-            <a:schemeClr val="accent6"/>
-          </a:fillRef>
-          <a:effectRef idx="1">
-            <a:schemeClr val="accent6"/>
-          </a:effectRef>
-          <a:fontRef idx="minor">
-            <a:schemeClr val="dk1"/>
-          </a:fontRef>
-        </p:style>
-        <p:txBody>
-          <a:bodyPr rot="0" spcFirstLastPara="0" vertOverflow="overflow" horzOverflow="overflow" vert="horz" wrap="square" lIns="91440" tIns="45721" rIns="91440" bIns="45721" numCol="1" spcCol="0" rtlCol="0" fromWordArt="0" anchor="ctr" anchorCtr="0" forceAA="0" compatLnSpc="1">
-            <a:prstTxWarp prst="textNoShape">
-              <a:avLst/>
-            </a:prstTxWarp>
-            <a:noAutofit/>
-          </a:bodyPr>
-          <a:lstStyle/>
-          <a:p>
-            <a:pPr algn="ctr"/>
-            <a:r>
-              <a:rPr lang="en-SG" sz="1600" dirty="0"/>
-              <a:t>Listener of selected Restaurant picks up new value of selected Restaurant</a:t>
-            </a:r>
-          </a:p>
-        </p:txBody>
-      </p:sp>
-      <p:cxnSp>
-        <p:nvCxnSpPr>
-          <p:cNvPr id="44" name="Straight Arrow Connector 43">
-            <a:extLst>
-              <a:ext uri="{FF2B5EF4-FFF2-40B4-BE49-F238E27FC236}">
-                <a16:creationId xmlns:a16="http://schemas.microsoft.com/office/drawing/2014/main" id="{F1E56673-2B7D-5A4D-A050-E03A50342860}"/>
-              </a:ext>
-            </a:extLst>
-          </p:cNvPr>
-          <p:cNvCxnSpPr>
-            <a:cxnSpLocks/>
-            <a:stCxn id="43" idx="2"/>
-            <a:endCxn id="52" idx="0"/>
-          </p:cNvCxnSpPr>
-          <p:nvPr/>
-        </p:nvCxnSpPr>
-        <p:spPr>
-          <a:xfrm>
-            <a:off x="8339001" y="795560"/>
-            <a:ext cx="1" cy="359971"/>
-          </a:xfrm>
-          <a:prstGeom prst="straightConnector1">
-            <a:avLst/>
-          </a:prstGeom>
-          <a:ln>
-            <a:tailEnd type="triangle"/>
-          </a:ln>
-        </p:spPr>
-        <p:style>
-          <a:lnRef idx="1">
-            <a:schemeClr val="dk1"/>
-          </a:lnRef>
-          <a:fillRef idx="0">
-            <a:schemeClr val="dk1"/>
-          </a:fillRef>
-          <a:effectRef idx="0">
-            <a:schemeClr val="dk1"/>
-          </a:effectRef>
-          <a:fontRef idx="minor">
-            <a:schemeClr val="tx1"/>
-          </a:fontRef>
-        </p:style>
-      </p:cxnSp>
-      <p:cxnSp>
-        <p:nvCxnSpPr>
-          <p:cNvPr id="50" name="Elbow Connector 49">
-            <a:extLst>
-              <a:ext uri="{FF2B5EF4-FFF2-40B4-BE49-F238E27FC236}">
-                <a16:creationId xmlns:a16="http://schemas.microsoft.com/office/drawing/2014/main" id="{359FFA39-5EB6-9446-85FF-2981AD9546D2}"/>
-              </a:ext>
-            </a:extLst>
-          </p:cNvPr>
-          <p:cNvCxnSpPr>
-            <a:cxnSpLocks/>
-            <a:stCxn id="38" idx="0"/>
-            <a:endCxn id="43" idx="1"/>
-          </p:cNvCxnSpPr>
-          <p:nvPr/>
-        </p:nvCxnSpPr>
-        <p:spPr>
-          <a:xfrm rot="5400000" flipH="1" flipV="1">
-            <a:off x="4272682" y="-1082880"/>
-            <a:ext cx="1137432" cy="4106919"/>
-          </a:xfrm>
-          <a:prstGeom prst="bentConnector2">
-            <a:avLst/>
-          </a:prstGeom>
-          <a:ln>
-            <a:tailEnd type="triangle"/>
-          </a:ln>
-        </p:spPr>
-        <p:style>
-          <a:lnRef idx="1">
-            <a:schemeClr val="dk1"/>
-          </a:lnRef>
-          <a:fillRef idx="0">
-            <a:schemeClr val="dk1"/>
-          </a:fillRef>
-          <a:effectRef idx="0">
-            <a:schemeClr val="dk1"/>
-          </a:effectRef>
-          <a:fontRef idx="minor">
-            <a:schemeClr val="tx1"/>
-          </a:fontRef>
-        </p:style>
-      </p:cxnSp>
-      <p:sp>
-        <p:nvSpPr>
-          <p:cNvPr id="52" name="Rectangle 51">
-            <a:extLst>
-              <a:ext uri="{FF2B5EF4-FFF2-40B4-BE49-F238E27FC236}">
-                <a16:creationId xmlns:a16="http://schemas.microsoft.com/office/drawing/2014/main" id="{164FECDD-E549-3F45-BD1D-0B5E101B8363}"/>
-              </a:ext>
-            </a:extLst>
-          </p:cNvPr>
-          <p:cNvSpPr/>
-          <p:nvPr/>
-        </p:nvSpPr>
-        <p:spPr>
-          <a:xfrm>
-            <a:off x="6507862" y="1155531"/>
-            <a:ext cx="3662280" cy="103449"/>
-          </a:xfrm>
-          <a:prstGeom prst="rect">
-            <a:avLst/>
-          </a:prstGeom>
-        </p:spPr>
-        <p:style>
-          <a:lnRef idx="2">
-            <a:schemeClr val="dk1">
-              <a:shade val="50000"/>
-            </a:schemeClr>
-          </a:lnRef>
-          <a:fillRef idx="1">
-            <a:schemeClr val="dk1"/>
-          </a:fillRef>
-          <a:effectRef idx="0">
-            <a:schemeClr val="dk1"/>
-          </a:effectRef>
-          <a:fontRef idx="minor">
-            <a:schemeClr val="lt1"/>
-          </a:fontRef>
-        </p:style>
-        <p:txBody>
-          <a:bodyPr rtlCol="0" anchor="ctr"/>
-          <a:lstStyle/>
-          <a:p>
-            <a:pPr algn="ctr"/>
-            <a:endParaRPr lang="en-US" sz="1600"/>
-          </a:p>
-        </p:txBody>
-      </p:sp>
-      <p:sp>
-        <p:nvSpPr>
-          <p:cNvPr id="53" name="Diamond 52">
-            <a:extLst>
-              <a:ext uri="{FF2B5EF4-FFF2-40B4-BE49-F238E27FC236}">
-                <a16:creationId xmlns:a16="http://schemas.microsoft.com/office/drawing/2014/main" id="{14776016-3C31-614F-9211-4F1F71EAFCE8}"/>
-              </a:ext>
-            </a:extLst>
-          </p:cNvPr>
-          <p:cNvSpPr/>
-          <p:nvPr/>
-        </p:nvSpPr>
-        <p:spPr>
-          <a:xfrm>
-            <a:off x="5889219" y="3181621"/>
-            <a:ext cx="419816" cy="419816"/>
-          </a:xfrm>
-          <a:prstGeom prst="diamond">
-            <a:avLst/>
-          </a:prstGeom>
-        </p:spPr>
-        <p:style>
-          <a:lnRef idx="1">
-            <a:schemeClr val="accent6"/>
-          </a:lnRef>
-          <a:fillRef idx="2">
-            <a:schemeClr val="accent6"/>
-          </a:fillRef>
-          <a:effectRef idx="1">
-            <a:schemeClr val="accent6"/>
-          </a:effectRef>
-          <a:fontRef idx="minor">
-            <a:schemeClr val="dk1"/>
-          </a:fontRef>
-        </p:style>
-        <p:txBody>
-          <a:bodyPr rot="0" spcFirstLastPara="0" vertOverflow="overflow" horzOverflow="overflow" vert="horz" wrap="square" lIns="91440" tIns="45721" rIns="91440" bIns="45721" numCol="1" spcCol="0" rtlCol="0" fromWordArt="0" anchor="ctr" anchorCtr="0" forceAA="0" compatLnSpc="1">
-            <a:prstTxWarp prst="textNoShape">
-              <a:avLst/>
-            </a:prstTxWarp>
-            <a:noAutofit/>
-          </a:bodyPr>
-          <a:lstStyle/>
-          <a:p>
-            <a:pPr algn="ctr"/>
-            <a:endParaRPr lang="en-SG" sz="1600"/>
-          </a:p>
-        </p:txBody>
-      </p:sp>
-      <p:sp>
-        <p:nvSpPr>
-          <p:cNvPr id="55" name="Rectangle: Rounded Corners 50">
-            <a:extLst>
-              <a:ext uri="{FF2B5EF4-FFF2-40B4-BE49-F238E27FC236}">
-                <a16:creationId xmlns:a16="http://schemas.microsoft.com/office/drawing/2014/main" id="{15661FC3-6ADD-6943-A476-088697C317A8}"/>
-              </a:ext>
-            </a:extLst>
-          </p:cNvPr>
-          <p:cNvSpPr/>
-          <p:nvPr/>
-        </p:nvSpPr>
-        <p:spPr>
-          <a:xfrm>
-            <a:off x="5320983" y="1894146"/>
-            <a:ext cx="1556288" cy="818092"/>
-          </a:xfrm>
-          <a:prstGeom prst="roundRect">
-            <a:avLst/>
-          </a:prstGeom>
-        </p:spPr>
-        <p:style>
-          <a:lnRef idx="1">
-            <a:schemeClr val="accent6"/>
-          </a:lnRef>
-          <a:fillRef idx="2">
-            <a:schemeClr val="accent6"/>
-          </a:fillRef>
-          <a:effectRef idx="1">
-            <a:schemeClr val="accent6"/>
-          </a:effectRef>
-          <a:fontRef idx="minor">
-            <a:schemeClr val="dk1"/>
-          </a:fontRef>
-        </p:style>
-        <p:txBody>
-          <a:bodyPr rot="0" spcFirstLastPara="0" vertOverflow="overflow" horzOverflow="overflow" vert="horz" wrap="square" lIns="91440" tIns="45721" rIns="91440" bIns="45721" numCol="1" spcCol="0" rtlCol="0" fromWordArt="0" anchor="ctr" anchorCtr="0" forceAA="0" compatLnSpc="1">
-            <a:prstTxWarp prst="textNoShape">
-              <a:avLst/>
-            </a:prstTxWarp>
-            <a:noAutofit/>
-          </a:bodyPr>
-          <a:lstStyle/>
-          <a:p>
-            <a:pPr algn="ctr"/>
-            <a:r>
-              <a:rPr lang="en-SG" sz="1600" dirty="0"/>
-              <a:t>Loads selected Restaurant’s list of Reviews</a:t>
-            </a:r>
-          </a:p>
-        </p:txBody>
-      </p:sp>
-      <p:cxnSp>
-        <p:nvCxnSpPr>
-          <p:cNvPr id="57" name="Elbow Connector 56">
-            <a:extLst>
-              <a:ext uri="{FF2B5EF4-FFF2-40B4-BE49-F238E27FC236}">
-                <a16:creationId xmlns:a16="http://schemas.microsoft.com/office/drawing/2014/main" id="{316DA89B-6D64-E841-90B2-F7863AEFF56C}"/>
-              </a:ext>
-            </a:extLst>
-          </p:cNvPr>
-          <p:cNvCxnSpPr>
-            <a:cxnSpLocks/>
-            <a:stCxn id="53" idx="1"/>
-            <a:endCxn id="58" idx="0"/>
-          </p:cNvCxnSpPr>
-          <p:nvPr/>
-        </p:nvCxnSpPr>
-        <p:spPr>
-          <a:xfrm rot="10800000" flipV="1">
-            <a:off x="4849709" y="3391529"/>
-            <a:ext cx="1039511" cy="488156"/>
-          </a:xfrm>
-          <a:prstGeom prst="bentConnector2">
-            <a:avLst/>
-          </a:prstGeom>
-          <a:ln>
-            <a:tailEnd type="triangle"/>
-          </a:ln>
-        </p:spPr>
-        <p:style>
-          <a:lnRef idx="1">
-            <a:schemeClr val="dk1"/>
-          </a:lnRef>
-          <a:fillRef idx="0">
-            <a:schemeClr val="dk1"/>
-          </a:fillRef>
-          <a:effectRef idx="0">
-            <a:schemeClr val="dk1"/>
-          </a:effectRef>
-          <a:fontRef idx="minor">
-            <a:schemeClr val="tx1"/>
-          </a:fontRef>
-        </p:style>
-      </p:cxnSp>
-      <p:sp>
-        <p:nvSpPr>
-          <p:cNvPr id="58" name="Rectangle: Rounded Corners 50">
-            <a:extLst>
-              <a:ext uri="{FF2B5EF4-FFF2-40B4-BE49-F238E27FC236}">
-                <a16:creationId xmlns:a16="http://schemas.microsoft.com/office/drawing/2014/main" id="{A3C228ED-08D3-1D4C-90A6-3BB268663698}"/>
-              </a:ext>
-            </a:extLst>
-          </p:cNvPr>
-          <p:cNvSpPr/>
-          <p:nvPr/>
-        </p:nvSpPr>
-        <p:spPr>
-          <a:xfrm>
-            <a:off x="4049052" y="3879685"/>
-            <a:ext cx="1601312" cy="766637"/>
-          </a:xfrm>
-          <a:prstGeom prst="roundRect">
-            <a:avLst/>
-          </a:prstGeom>
-        </p:spPr>
-        <p:style>
-          <a:lnRef idx="1">
-            <a:schemeClr val="accent4"/>
-          </a:lnRef>
-          <a:fillRef idx="2">
-            <a:schemeClr val="accent4"/>
-          </a:fillRef>
-          <a:effectRef idx="1">
-            <a:schemeClr val="accent4"/>
-          </a:effectRef>
-          <a:fontRef idx="minor">
-            <a:schemeClr val="dk1"/>
-          </a:fontRef>
-        </p:style>
-        <p:txBody>
-          <a:bodyPr rot="0" spcFirstLastPara="0" vertOverflow="overflow" horzOverflow="overflow" vert="horz" wrap="square" lIns="91440" tIns="45721" rIns="91440" bIns="45721" numCol="1" spcCol="0" rtlCol="0" fromWordArt="0" anchor="ctr" anchorCtr="0" forceAA="0" compatLnSpc="1">
-            <a:prstTxWarp prst="textNoShape">
-              <a:avLst/>
-            </a:prstTxWarp>
-            <a:noAutofit/>
-          </a:bodyPr>
-          <a:lstStyle/>
-          <a:p>
-            <a:pPr algn="ctr"/>
-            <a:r>
-              <a:rPr lang="en-SG" sz="1600" dirty="0"/>
-              <a:t>Display Restaurant’s list of Reviews</a:t>
-            </a:r>
-          </a:p>
-        </p:txBody>
-      </p:sp>
-      <p:cxnSp>
-        <p:nvCxnSpPr>
-          <p:cNvPr id="60" name="Elbow Connector 59">
-            <a:extLst>
-              <a:ext uri="{FF2B5EF4-FFF2-40B4-BE49-F238E27FC236}">
-                <a16:creationId xmlns:a16="http://schemas.microsoft.com/office/drawing/2014/main" id="{8CED86BB-9C77-094C-B670-4A4E57BD6505}"/>
-              </a:ext>
-            </a:extLst>
-          </p:cNvPr>
-          <p:cNvCxnSpPr>
-            <a:cxnSpLocks/>
-            <a:stCxn id="53" idx="3"/>
-            <a:endCxn id="62" idx="0"/>
-          </p:cNvCxnSpPr>
-          <p:nvPr/>
-        </p:nvCxnSpPr>
-        <p:spPr>
-          <a:xfrm>
-            <a:off x="6309035" y="3391529"/>
-            <a:ext cx="970759" cy="488156"/>
-          </a:xfrm>
-          <a:prstGeom prst="bentConnector2">
-            <a:avLst/>
-          </a:prstGeom>
-          <a:ln>
-            <a:tailEnd type="triangle"/>
-          </a:ln>
-        </p:spPr>
-        <p:style>
-          <a:lnRef idx="1">
-            <a:schemeClr val="dk1"/>
-          </a:lnRef>
-          <a:fillRef idx="0">
-            <a:schemeClr val="dk1"/>
-          </a:fillRef>
-          <a:effectRef idx="0">
-            <a:schemeClr val="dk1"/>
-          </a:effectRef>
-          <a:fontRef idx="minor">
-            <a:schemeClr val="tx1"/>
-          </a:fontRef>
-        </p:style>
-      </p:cxnSp>
-      <p:sp>
-        <p:nvSpPr>
-          <p:cNvPr id="61" name="TextBox 60">
-            <a:extLst>
-              <a:ext uri="{FF2B5EF4-FFF2-40B4-BE49-F238E27FC236}">
-                <a16:creationId xmlns:a16="http://schemas.microsoft.com/office/drawing/2014/main" id="{7E016BF6-C5CC-0A4B-A10E-B59167162920}"/>
-              </a:ext>
-            </a:extLst>
-          </p:cNvPr>
-          <p:cNvSpPr txBox="1"/>
-          <p:nvPr/>
-        </p:nvSpPr>
-        <p:spPr>
-          <a:xfrm>
-            <a:off x="6442870" y="2967346"/>
-            <a:ext cx="882538" cy="338554"/>
-          </a:xfrm>
-          <a:prstGeom prst="rect">
-            <a:avLst/>
-          </a:prstGeom>
-          <a:noFill/>
-        </p:spPr>
-        <p:txBody>
-          <a:bodyPr wrap="square" rtlCol="0">
-            <a:spAutoFit/>
-          </a:bodyPr>
-          <a:lstStyle/>
-          <a:p>
-            <a:r>
-              <a:rPr lang="en-US" sz="1600" dirty="0"/>
-              <a:t>[else]</a:t>
-            </a:r>
-            <a:endParaRPr lang="en-SG" sz="1600" dirty="0"/>
-          </a:p>
-        </p:txBody>
-      </p:sp>
-      <p:sp>
-        <p:nvSpPr>
-          <p:cNvPr id="62" name="Rectangle: Rounded Corners 50">
-            <a:extLst>
-              <a:ext uri="{FF2B5EF4-FFF2-40B4-BE49-F238E27FC236}">
-                <a16:creationId xmlns:a16="http://schemas.microsoft.com/office/drawing/2014/main" id="{F8DF240D-31E4-6947-B497-F26B7C3EB1EB}"/>
-              </a:ext>
-            </a:extLst>
-          </p:cNvPr>
-          <p:cNvSpPr/>
-          <p:nvPr/>
-        </p:nvSpPr>
-        <p:spPr>
-          <a:xfrm>
-            <a:off x="6341885" y="3879685"/>
-            <a:ext cx="1875818" cy="766637"/>
-          </a:xfrm>
-          <a:prstGeom prst="roundRect">
-            <a:avLst/>
-          </a:prstGeom>
-        </p:spPr>
-        <p:style>
-          <a:lnRef idx="1">
-            <a:schemeClr val="accent4"/>
-          </a:lnRef>
-          <a:fillRef idx="2">
-            <a:schemeClr val="accent4"/>
-          </a:fillRef>
-          <a:effectRef idx="1">
-            <a:schemeClr val="accent4"/>
-          </a:effectRef>
-          <a:fontRef idx="minor">
-            <a:schemeClr val="dk1"/>
-          </a:fontRef>
-        </p:style>
-        <p:txBody>
-          <a:bodyPr rot="0" spcFirstLastPara="0" vertOverflow="overflow" horzOverflow="overflow" vert="horz" wrap="square" lIns="91440" tIns="45721" rIns="91440" bIns="45721" numCol="1" spcCol="0" rtlCol="0" fromWordArt="0" anchor="ctr" anchorCtr="0" forceAA="0" compatLnSpc="1">
-            <a:prstTxWarp prst="textNoShape">
-              <a:avLst/>
-            </a:prstTxWarp>
-            <a:noAutofit/>
-          </a:bodyPr>
-          <a:lstStyle/>
-          <a:p>
-            <a:pPr algn="ctr"/>
-            <a:r>
-              <a:rPr lang="en-SG" sz="1600" dirty="0"/>
-              <a:t>Display placeholder for Review List Panel</a:t>
-            </a:r>
-          </a:p>
-        </p:txBody>
-      </p:sp>
-      <p:sp>
-        <p:nvSpPr>
-          <p:cNvPr id="63" name="Diamond 62">
-            <a:extLst>
-              <a:ext uri="{FF2B5EF4-FFF2-40B4-BE49-F238E27FC236}">
-                <a16:creationId xmlns:a16="http://schemas.microsoft.com/office/drawing/2014/main" id="{1BB9986C-EAA9-1343-B043-F67CA9A28B5C}"/>
-              </a:ext>
-            </a:extLst>
-          </p:cNvPr>
-          <p:cNvSpPr/>
-          <p:nvPr/>
-        </p:nvSpPr>
-        <p:spPr>
-          <a:xfrm>
-            <a:off x="5876094" y="5103738"/>
-            <a:ext cx="419816" cy="419816"/>
-          </a:xfrm>
-          <a:prstGeom prst="diamond">
-            <a:avLst/>
-          </a:prstGeom>
-        </p:spPr>
-        <p:style>
-          <a:lnRef idx="1">
-            <a:schemeClr val="accent6"/>
-          </a:lnRef>
-          <a:fillRef idx="2">
-            <a:schemeClr val="accent6"/>
-          </a:fillRef>
-          <a:effectRef idx="1">
-            <a:schemeClr val="accent6"/>
-          </a:effectRef>
-          <a:fontRef idx="minor">
-            <a:schemeClr val="dk1"/>
-          </a:fontRef>
-        </p:style>
-        <p:txBody>
-          <a:bodyPr rot="0" spcFirstLastPara="0" vertOverflow="overflow" horzOverflow="overflow" vert="horz" wrap="square" lIns="91440" tIns="45721" rIns="91440" bIns="45721" numCol="1" spcCol="0" rtlCol="0" fromWordArt="0" anchor="ctr" anchorCtr="0" forceAA="0" compatLnSpc="1">
-            <a:prstTxWarp prst="textNoShape">
-              <a:avLst/>
-            </a:prstTxWarp>
-            <a:noAutofit/>
-          </a:bodyPr>
-          <a:lstStyle/>
-          <a:p>
-            <a:pPr algn="ctr"/>
-            <a:endParaRPr lang="en-SG" sz="1600"/>
-          </a:p>
-        </p:txBody>
-      </p:sp>
-      <p:sp>
-        <p:nvSpPr>
-          <p:cNvPr id="64" name="TextBox 63">
-            <a:extLst>
-              <a:ext uri="{FF2B5EF4-FFF2-40B4-BE49-F238E27FC236}">
-                <a16:creationId xmlns:a16="http://schemas.microsoft.com/office/drawing/2014/main" id="{148C5A1B-93B6-8546-A17E-73918E5BCB44}"/>
-              </a:ext>
-            </a:extLst>
-          </p:cNvPr>
-          <p:cNvSpPr txBox="1"/>
-          <p:nvPr/>
-        </p:nvSpPr>
-        <p:spPr>
-          <a:xfrm>
-            <a:off x="2877085" y="2967347"/>
-            <a:ext cx="2959173" cy="345246"/>
-          </a:xfrm>
-          <a:prstGeom prst="rect">
-            <a:avLst/>
-          </a:prstGeom>
-          <a:noFill/>
-        </p:spPr>
-        <p:txBody>
-          <a:bodyPr wrap="square" rtlCol="0">
-            <a:spAutoFit/>
-          </a:bodyPr>
-          <a:lstStyle/>
-          <a:p>
-            <a:pPr algn="r"/>
-            <a:r>
-              <a:rPr lang="en-US" sz="1600" dirty="0"/>
-              <a:t>[Review List is not empty]</a:t>
-            </a:r>
-            <a:endParaRPr lang="en-SG" sz="1600" dirty="0"/>
-          </a:p>
-        </p:txBody>
-      </p:sp>
-      <p:sp>
-        <p:nvSpPr>
-          <p:cNvPr id="65" name="Diamond 64">
-            <a:extLst>
-              <a:ext uri="{FF2B5EF4-FFF2-40B4-BE49-F238E27FC236}">
-                <a16:creationId xmlns:a16="http://schemas.microsoft.com/office/drawing/2014/main" id="{323B5484-2BB3-DD4E-BD04-CD807BA92950}"/>
-              </a:ext>
-            </a:extLst>
-          </p:cNvPr>
-          <p:cNvSpPr/>
-          <p:nvPr/>
-        </p:nvSpPr>
-        <p:spPr>
-          <a:xfrm>
-            <a:off x="10494167" y="3181621"/>
-            <a:ext cx="419816" cy="419816"/>
-          </a:xfrm>
-          <a:prstGeom prst="diamond">
-            <a:avLst/>
-          </a:prstGeom>
-        </p:spPr>
-        <p:style>
-          <a:lnRef idx="1">
-            <a:schemeClr val="accent6"/>
-          </a:lnRef>
-          <a:fillRef idx="2">
-            <a:schemeClr val="accent6"/>
-          </a:fillRef>
-          <a:effectRef idx="1">
-            <a:schemeClr val="accent6"/>
-          </a:effectRef>
-          <a:fontRef idx="minor">
-            <a:schemeClr val="dk1"/>
-          </a:fontRef>
-        </p:style>
-        <p:txBody>
-          <a:bodyPr rot="0" spcFirstLastPara="0" vertOverflow="overflow" horzOverflow="overflow" vert="horz" wrap="square" lIns="91440" tIns="45721" rIns="91440" bIns="45721" numCol="1" spcCol="0" rtlCol="0" fromWordArt="0" anchor="ctr" anchorCtr="0" forceAA="0" compatLnSpc="1">
-            <a:prstTxWarp prst="textNoShape">
-              <a:avLst/>
-            </a:prstTxWarp>
-            <a:noAutofit/>
-          </a:bodyPr>
-          <a:lstStyle/>
-          <a:p>
-            <a:pPr algn="ctr"/>
-            <a:endParaRPr lang="en-SG" sz="1600"/>
-          </a:p>
-        </p:txBody>
-      </p:sp>
-      <p:cxnSp>
-        <p:nvCxnSpPr>
-          <p:cNvPr id="66" name="Straight Arrow Connector 65">
-            <a:extLst>
-              <a:ext uri="{FF2B5EF4-FFF2-40B4-BE49-F238E27FC236}">
-                <a16:creationId xmlns:a16="http://schemas.microsoft.com/office/drawing/2014/main" id="{5F3F2E65-022D-B34F-8A0C-17A6BEA2AF0F}"/>
-              </a:ext>
-            </a:extLst>
-          </p:cNvPr>
-          <p:cNvCxnSpPr>
-            <a:cxnSpLocks/>
-            <a:stCxn id="96" idx="2"/>
+            <a:stCxn id="351" idx="2"/>
             <a:endCxn id="73" idx="0"/>
           </p:cNvCxnSpPr>
           <p:nvPr/>
         </p:nvCxnSpPr>
         <p:spPr>
-          <a:xfrm flipH="1">
-            <a:off x="8318500" y="6122750"/>
-            <a:ext cx="960" cy="505526"/>
+          <a:xfrm>
+            <a:off x="16595293" y="6020290"/>
+            <a:ext cx="8510" cy="540478"/>
           </a:xfrm>
           <a:prstGeom prst="straightConnector1">
             <a:avLst/>
@@ -4553,7 +3864,7 @@
         </p:nvGrpSpPr>
         <p:grpSpPr>
           <a:xfrm>
-            <a:off x="8215604" y="6628276"/>
+            <a:off x="16500907" y="6560768"/>
             <a:ext cx="205792" cy="205792"/>
             <a:chOff x="8040730" y="5082186"/>
             <a:chExt cx="235669" cy="235669"/>
@@ -4661,12 +3972,141 @@
           </p:txBody>
         </p:sp>
       </p:grpSp>
-      <p:sp>
-        <p:nvSpPr>
-          <p:cNvPr id="80" name="Rectangle: Rounded Corners 50">
-            <a:extLst>
-              <a:ext uri="{FF2B5EF4-FFF2-40B4-BE49-F238E27FC236}">
-                <a16:creationId xmlns:a16="http://schemas.microsoft.com/office/drawing/2014/main" id="{5D5969F5-4431-6F40-ABDA-3AD7D6BD2ECA}"/>
+      <p:cxnSp>
+        <p:nvCxnSpPr>
+          <p:cNvPr id="97" name="Elbow Connector 96">
+            <a:extLst>
+              <a:ext uri="{FF2B5EF4-FFF2-40B4-BE49-F238E27FC236}">
+                <a16:creationId xmlns:a16="http://schemas.microsoft.com/office/drawing/2014/main" id="{F0B5722E-6819-4B4E-B1DB-AEB9B8BFB48F}"/>
+              </a:ext>
+            </a:extLst>
+          </p:cNvPr>
+          <p:cNvCxnSpPr>
+            <a:cxnSpLocks/>
+            <a:stCxn id="305" idx="2"/>
+            <a:endCxn id="351" idx="3"/>
+          </p:cNvCxnSpPr>
+          <p:nvPr/>
+        </p:nvCxnSpPr>
+        <p:spPr>
+          <a:xfrm rot="5400000">
+            <a:off x="17095554" y="4127397"/>
+            <a:ext cx="1392633" cy="1973337"/>
+          </a:xfrm>
+          <a:prstGeom prst="bentConnector2">
+            <a:avLst/>
+          </a:prstGeom>
+          <a:ln>
+            <a:tailEnd type="triangle"/>
+          </a:ln>
+        </p:spPr>
+        <p:style>
+          <a:lnRef idx="1">
+            <a:schemeClr val="dk1"/>
+          </a:lnRef>
+          <a:fillRef idx="0">
+            <a:schemeClr val="dk1"/>
+          </a:fillRef>
+          <a:effectRef idx="0">
+            <a:schemeClr val="dk1"/>
+          </a:effectRef>
+          <a:fontRef idx="minor">
+            <a:schemeClr val="tx1"/>
+          </a:fontRef>
+        </p:style>
+      </p:cxnSp>
+      <p:cxnSp>
+        <p:nvCxnSpPr>
+          <p:cNvPr id="98" name="Elbow Connector 97">
+            <a:extLst>
+              <a:ext uri="{FF2B5EF4-FFF2-40B4-BE49-F238E27FC236}">
+                <a16:creationId xmlns:a16="http://schemas.microsoft.com/office/drawing/2014/main" id="{30628781-F145-9F4E-A3BA-7D43D513838E}"/>
+              </a:ext>
+            </a:extLst>
+          </p:cNvPr>
+          <p:cNvCxnSpPr>
+            <a:cxnSpLocks/>
+            <a:stCxn id="311" idx="2"/>
+            <a:endCxn id="351" idx="1"/>
+          </p:cNvCxnSpPr>
+          <p:nvPr/>
+        </p:nvCxnSpPr>
+        <p:spPr>
+          <a:xfrm rot="16200000" flipH="1">
+            <a:off x="14448297" y="3873293"/>
+            <a:ext cx="1595677" cy="2278500"/>
+          </a:xfrm>
+          <a:prstGeom prst="bentConnector2">
+            <a:avLst/>
+          </a:prstGeom>
+          <a:ln>
+            <a:tailEnd type="triangle"/>
+          </a:ln>
+        </p:spPr>
+        <p:style>
+          <a:lnRef idx="1">
+            <a:schemeClr val="dk1"/>
+          </a:lnRef>
+          <a:fillRef idx="0">
+            <a:schemeClr val="dk1"/>
+          </a:fillRef>
+          <a:effectRef idx="0">
+            <a:schemeClr val="dk1"/>
+          </a:effectRef>
+          <a:fontRef idx="minor">
+            <a:schemeClr val="tx1"/>
+          </a:fontRef>
+        </p:style>
+      </p:cxnSp>
+      <p:cxnSp>
+        <p:nvCxnSpPr>
+          <p:cNvPr id="109" name="Elbow Connector 108">
+            <a:extLst>
+              <a:ext uri="{FF2B5EF4-FFF2-40B4-BE49-F238E27FC236}">
+                <a16:creationId xmlns:a16="http://schemas.microsoft.com/office/drawing/2014/main" id="{594F0E3C-F3AF-F94C-89F9-4CE8D54AC306}"/>
+              </a:ext>
+            </a:extLst>
+          </p:cNvPr>
+          <p:cNvCxnSpPr>
+            <a:cxnSpLocks/>
+            <a:stCxn id="39" idx="3"/>
+            <a:endCxn id="253" idx="0"/>
+          </p:cNvCxnSpPr>
+          <p:nvPr/>
+        </p:nvCxnSpPr>
+        <p:spPr>
+          <a:xfrm>
+            <a:off x="4637376" y="419582"/>
+            <a:ext cx="939580" cy="294188"/>
+          </a:xfrm>
+          <a:prstGeom prst="bentConnector2">
+            <a:avLst/>
+          </a:prstGeom>
+          <a:ln>
+            <a:tailEnd type="triangle"/>
+          </a:ln>
+        </p:spPr>
+        <p:style>
+          <a:lnRef idx="1">
+            <a:schemeClr val="dk1"/>
+          </a:lnRef>
+          <a:fillRef idx="0">
+            <a:schemeClr val="dk1"/>
+          </a:fillRef>
+          <a:effectRef idx="0">
+            <a:schemeClr val="dk1"/>
+          </a:effectRef>
+          <a:fontRef idx="minor">
+            <a:schemeClr val="tx1"/>
+          </a:fontRef>
+        </p:style>
+      </p:cxnSp>
+      <p:sp>
+        <p:nvSpPr>
+          <p:cNvPr id="221" name="Rectangle 220">
+            <a:extLst>
+              <a:ext uri="{FF2B5EF4-FFF2-40B4-BE49-F238E27FC236}">
+                <a16:creationId xmlns:a16="http://schemas.microsoft.com/office/drawing/2014/main" id="{8A341F31-DA06-6246-A653-9FAEDDF7542D}"/>
               </a:ext>
             </a:extLst>
           </p:cNvPr>
@@ -4675,10 +4115,56 @@
         </p:nvSpPr>
         <p:spPr>
           <a:xfrm>
-            <a:off x="9972685" y="1894146"/>
-            <a:ext cx="1475291" cy="816236"/>
-          </a:xfrm>
-          <a:prstGeom prst="roundRect">
+            <a:off x="5380737" y="1975669"/>
+            <a:ext cx="3662280" cy="103449"/>
+          </a:xfrm>
+          <a:prstGeom prst="rect">
+            <a:avLst/>
+          </a:prstGeom>
+        </p:spPr>
+        <p:style>
+          <a:lnRef idx="2">
+            <a:schemeClr val="dk1">
+              <a:shade val="50000"/>
+            </a:schemeClr>
+          </a:lnRef>
+          <a:fillRef idx="1">
+            <a:schemeClr val="dk1"/>
+          </a:fillRef>
+          <a:effectRef idx="0">
+            <a:schemeClr val="dk1"/>
+          </a:effectRef>
+          <a:fontRef idx="minor">
+            <a:schemeClr val="lt1"/>
+          </a:fontRef>
+        </p:style>
+        <p:txBody>
+          <a:bodyPr rtlCol="0" anchor="ctr"/>
+          <a:lstStyle/>
+          <a:p>
+            <a:pPr algn="ctr"/>
+            <a:endParaRPr lang="en-US" sz="1600"/>
+          </a:p>
+        </p:txBody>
+      </p:sp>
+      <p:sp>
+        <p:nvSpPr>
+          <p:cNvPr id="222" name="Diamond 221">
+            <a:extLst>
+              <a:ext uri="{FF2B5EF4-FFF2-40B4-BE49-F238E27FC236}">
+                <a16:creationId xmlns:a16="http://schemas.microsoft.com/office/drawing/2014/main" id="{B97BD40A-A14B-4649-BED5-312B6CE97ED2}"/>
+              </a:ext>
+            </a:extLst>
+          </p:cNvPr>
+          <p:cNvSpPr/>
+          <p:nvPr/>
+        </p:nvSpPr>
+        <p:spPr>
+          <a:xfrm>
+            <a:off x="4850608" y="3860645"/>
+            <a:ext cx="419816" cy="419816"/>
+          </a:xfrm>
+          <a:prstGeom prst="diamond">
             <a:avLst/>
           </a:prstGeom>
         </p:spPr>
@@ -4706,33 +4192,82 @@
           <a:lstStyle/>
           <a:p>
             <a:pPr algn="ctr"/>
+            <a:endParaRPr lang="en-SG" sz="1600"/>
+          </a:p>
+        </p:txBody>
+      </p:sp>
+      <p:sp>
+        <p:nvSpPr>
+          <p:cNvPr id="223" name="Rectangle: Rounded Corners 50">
+            <a:extLst>
+              <a:ext uri="{FF2B5EF4-FFF2-40B4-BE49-F238E27FC236}">
+                <a16:creationId xmlns:a16="http://schemas.microsoft.com/office/drawing/2014/main" id="{4A51C68A-1547-9F47-B0BD-F16FA8D2E679}"/>
+              </a:ext>
+            </a:extLst>
+          </p:cNvPr>
+          <p:cNvSpPr/>
+          <p:nvPr/>
+        </p:nvSpPr>
+        <p:spPr>
+          <a:xfrm>
+            <a:off x="4047135" y="2774070"/>
+            <a:ext cx="2021405" cy="785705"/>
+          </a:xfrm>
+          <a:prstGeom prst="roundRect">
+            <a:avLst/>
+          </a:prstGeom>
+        </p:spPr>
+        <p:style>
+          <a:lnRef idx="1">
+            <a:schemeClr val="accent6"/>
+          </a:lnRef>
+          <a:fillRef idx="2">
+            <a:schemeClr val="accent6"/>
+          </a:fillRef>
+          <a:effectRef idx="1">
+            <a:schemeClr val="accent6"/>
+          </a:effectRef>
+          <a:fontRef idx="minor">
+            <a:schemeClr val="dk1"/>
+          </a:fontRef>
+        </p:style>
+        <p:txBody>
+          <a:bodyPr rot="0" spcFirstLastPara="0" vertOverflow="overflow" horzOverflow="overflow" vert="horz" wrap="square" lIns="91440" tIns="45721" rIns="91440" bIns="45721" numCol="1" spcCol="0" rtlCol="0" fromWordArt="0" anchor="ctr" anchorCtr="0" forceAA="0" compatLnSpc="1">
+            <a:prstTxWarp prst="textNoShape">
+              <a:avLst/>
+            </a:prstTxWarp>
+            <a:noAutofit/>
+          </a:bodyPr>
+          <a:lstStyle/>
+          <a:p>
+            <a:pPr algn="ctr"/>
             <a:r>
               <a:rPr lang="en-SG" sz="1600" dirty="0"/>
-              <a:t>Loads selected Restaurant’s Summary</a:t>
+              <a:t>Check for presence of Order placeholder in user input</a:t>
             </a:r>
           </a:p>
         </p:txBody>
       </p:sp>
       <p:cxnSp>
         <p:nvCxnSpPr>
-          <p:cNvPr id="81" name="Elbow Connector 80">
-            <a:extLst>
-              <a:ext uri="{FF2B5EF4-FFF2-40B4-BE49-F238E27FC236}">
-                <a16:creationId xmlns:a16="http://schemas.microsoft.com/office/drawing/2014/main" id="{B1A44C67-3066-B642-AB7E-2D75F53BCC5E}"/>
+          <p:cNvPr id="224" name="Elbow Connector 223">
+            <a:extLst>
+              <a:ext uri="{FF2B5EF4-FFF2-40B4-BE49-F238E27FC236}">
+                <a16:creationId xmlns:a16="http://schemas.microsoft.com/office/drawing/2014/main" id="{C7B2030B-5E3C-2A49-A79B-D71FC6DBF318}"/>
               </a:ext>
             </a:extLst>
           </p:cNvPr>
           <p:cNvCxnSpPr>
             <a:cxnSpLocks/>
-            <a:stCxn id="65" idx="1"/>
-            <a:endCxn id="87" idx="0"/>
+            <a:stCxn id="222" idx="1"/>
+            <a:endCxn id="248" idx="0"/>
           </p:cNvCxnSpPr>
           <p:nvPr/>
         </p:nvCxnSpPr>
         <p:spPr>
           <a:xfrm rot="10800000" flipV="1">
-            <a:off x="9432505" y="3391529"/>
-            <a:ext cx="1061662" cy="323620"/>
+            <a:off x="3954916" y="4070553"/>
+            <a:ext cx="895692" cy="320780"/>
           </a:xfrm>
           <a:prstGeom prst="bentConnector2">
             <a:avLst/>
@@ -4756,12 +4291,55 @@
           </a:fontRef>
         </p:style>
       </p:cxnSp>
-      <p:sp>
-        <p:nvSpPr>
-          <p:cNvPr id="86" name="TextBox 85">
-            <a:extLst>
-              <a:ext uri="{FF2B5EF4-FFF2-40B4-BE49-F238E27FC236}">
-                <a16:creationId xmlns:a16="http://schemas.microsoft.com/office/drawing/2014/main" id="{AD90DB1F-C77D-1447-9842-7731A9879DD7}"/>
+      <p:cxnSp>
+        <p:nvCxnSpPr>
+          <p:cNvPr id="225" name="Elbow Connector 224">
+            <a:extLst>
+              <a:ext uri="{FF2B5EF4-FFF2-40B4-BE49-F238E27FC236}">
+                <a16:creationId xmlns:a16="http://schemas.microsoft.com/office/drawing/2014/main" id="{F562DDA2-054B-EB4A-84AB-14C97B991C26}"/>
+              </a:ext>
+            </a:extLst>
+          </p:cNvPr>
+          <p:cNvCxnSpPr>
+            <a:cxnSpLocks/>
+            <a:stCxn id="222" idx="3"/>
+            <a:endCxn id="249" idx="0"/>
+          </p:cNvCxnSpPr>
+          <p:nvPr/>
+        </p:nvCxnSpPr>
+        <p:spPr>
+          <a:xfrm>
+            <a:off x="5270424" y="4070553"/>
+            <a:ext cx="854601" cy="320899"/>
+          </a:xfrm>
+          <a:prstGeom prst="bentConnector2">
+            <a:avLst/>
+          </a:prstGeom>
+          <a:ln>
+            <a:tailEnd type="triangle"/>
+          </a:ln>
+        </p:spPr>
+        <p:style>
+          <a:lnRef idx="1">
+            <a:schemeClr val="dk1"/>
+          </a:lnRef>
+          <a:fillRef idx="0">
+            <a:schemeClr val="dk1"/>
+          </a:fillRef>
+          <a:effectRef idx="0">
+            <a:schemeClr val="dk1"/>
+          </a:effectRef>
+          <a:fontRef idx="minor">
+            <a:schemeClr val="tx1"/>
+          </a:fontRef>
+        </p:style>
+      </p:cxnSp>
+      <p:sp>
+        <p:nvSpPr>
+          <p:cNvPr id="226" name="TextBox 225">
+            <a:extLst>
+              <a:ext uri="{FF2B5EF4-FFF2-40B4-BE49-F238E27FC236}">
+                <a16:creationId xmlns:a16="http://schemas.microsoft.com/office/drawing/2014/main" id="{1E572279-8DED-1542-8FA8-9E6375D2CBCA}"/>
               </a:ext>
             </a:extLst>
           </p:cNvPr>
@@ -4770,8 +4348,8 @@
         </p:nvSpPr>
         <p:spPr>
           <a:xfrm>
-            <a:off x="8468694" y="2974039"/>
-            <a:ext cx="1938932" cy="338554"/>
+            <a:off x="5404259" y="3646370"/>
+            <a:ext cx="882538" cy="338554"/>
           </a:xfrm>
           <a:prstGeom prst="rect">
             <a:avLst/>
@@ -4784,18 +4362,9 @@
           </a:bodyPr>
           <a:lstStyle/>
           <a:p>
-            <a:pPr algn="r"/>
             <a:r>
               <a:rPr lang="en-US" sz="1600" dirty="0"/>
-              <a:t>[</a:t>
-            </a:r>
-            <a:r>
-              <a:rPr lang="en-US" sz="1600" dirty="0" err="1"/>
-              <a:t>TotalVisits</a:t>
-            </a:r>
-            <a:r>
-              <a:rPr lang="en-US" sz="1600" dirty="0"/>
-              <a:t> == 0]</a:t>
+              <a:t>[else]</a:t>
             </a:r>
             <a:endParaRPr lang="en-SG" sz="1600" dirty="0"/>
           </a:p>
@@ -4803,10 +4372,10 @@
       </p:sp>
       <p:sp>
         <p:nvSpPr>
-          <p:cNvPr id="87" name="Rectangle: Rounded Corners 50">
-            <a:extLst>
-              <a:ext uri="{FF2B5EF4-FFF2-40B4-BE49-F238E27FC236}">
-                <a16:creationId xmlns:a16="http://schemas.microsoft.com/office/drawing/2014/main" id="{F0DD0124-58CA-774D-A2E9-5E13BD28C024}"/>
+          <p:cNvPr id="227" name="Diamond 226">
+            <a:extLst>
+              <a:ext uri="{FF2B5EF4-FFF2-40B4-BE49-F238E27FC236}">
+                <a16:creationId xmlns:a16="http://schemas.microsoft.com/office/drawing/2014/main" id="{B7A770CA-123C-AB45-B631-DAD2D69CA359}"/>
               </a:ext>
             </a:extLst>
           </p:cNvPr>
@@ -4815,8 +4384,1699 @@
         </p:nvSpPr>
         <p:spPr>
           <a:xfrm>
-            <a:off x="8654001" y="3715149"/>
-            <a:ext cx="1557008" cy="1062920"/>
+            <a:off x="4864779" y="5346027"/>
+            <a:ext cx="419816" cy="419816"/>
+          </a:xfrm>
+          <a:prstGeom prst="diamond">
+            <a:avLst/>
+          </a:prstGeom>
+        </p:spPr>
+        <p:style>
+          <a:lnRef idx="1">
+            <a:schemeClr val="accent6"/>
+          </a:lnRef>
+          <a:fillRef idx="2">
+            <a:schemeClr val="accent6"/>
+          </a:fillRef>
+          <a:effectRef idx="1">
+            <a:schemeClr val="accent6"/>
+          </a:effectRef>
+          <a:fontRef idx="minor">
+            <a:schemeClr val="dk1"/>
+          </a:fontRef>
+        </p:style>
+        <p:txBody>
+          <a:bodyPr rot="0" spcFirstLastPara="0" vertOverflow="overflow" horzOverflow="overflow" vert="horz" wrap="square" lIns="91440" tIns="45721" rIns="91440" bIns="45721" numCol="1" spcCol="0" rtlCol="0" fromWordArt="0" anchor="ctr" anchorCtr="0" forceAA="0" compatLnSpc="1">
+            <a:prstTxWarp prst="textNoShape">
+              <a:avLst/>
+            </a:prstTxWarp>
+            <a:noAutofit/>
+          </a:bodyPr>
+          <a:lstStyle/>
+          <a:p>
+            <a:pPr algn="ctr"/>
+            <a:endParaRPr lang="en-SG" sz="1600"/>
+          </a:p>
+        </p:txBody>
+      </p:sp>
+      <p:sp>
+        <p:nvSpPr>
+          <p:cNvPr id="228" name="TextBox 227">
+            <a:extLst>
+              <a:ext uri="{FF2B5EF4-FFF2-40B4-BE49-F238E27FC236}">
+                <a16:creationId xmlns:a16="http://schemas.microsoft.com/office/drawing/2014/main" id="{58EF7B39-D6A0-9A42-B89C-6582C30127C8}"/>
+              </a:ext>
+            </a:extLst>
+          </p:cNvPr>
+          <p:cNvSpPr txBox="1"/>
+          <p:nvPr/>
+        </p:nvSpPr>
+        <p:spPr>
+          <a:xfrm>
+            <a:off x="1983147" y="3630566"/>
+            <a:ext cx="2959173" cy="345246"/>
+          </a:xfrm>
+          <a:prstGeom prst="rect">
+            <a:avLst/>
+          </a:prstGeom>
+          <a:noFill/>
+        </p:spPr>
+        <p:txBody>
+          <a:bodyPr wrap="square" rtlCol="0">
+            <a:spAutoFit/>
+          </a:bodyPr>
+          <a:lstStyle/>
+          <a:p>
+            <a:pPr algn="r"/>
+            <a:r>
+              <a:rPr lang="en-US" sz="1600" dirty="0"/>
+              <a:t>[Order input is present]</a:t>
+            </a:r>
+            <a:endParaRPr lang="en-SG" sz="1600" dirty="0"/>
+          </a:p>
+        </p:txBody>
+      </p:sp>
+      <p:sp>
+        <p:nvSpPr>
+          <p:cNvPr id="229" name="Diamond 228">
+            <a:extLst>
+              <a:ext uri="{FF2B5EF4-FFF2-40B4-BE49-F238E27FC236}">
+                <a16:creationId xmlns:a16="http://schemas.microsoft.com/office/drawing/2014/main" id="{8E370D34-2FDC-E24C-8B99-D4E4ECB8A273}"/>
+              </a:ext>
+            </a:extLst>
+          </p:cNvPr>
+          <p:cNvSpPr/>
+          <p:nvPr/>
+        </p:nvSpPr>
+        <p:spPr>
+          <a:xfrm>
+            <a:off x="9184087" y="3860645"/>
+            <a:ext cx="419816" cy="419816"/>
+          </a:xfrm>
+          <a:prstGeom prst="diamond">
+            <a:avLst/>
+          </a:prstGeom>
+        </p:spPr>
+        <p:style>
+          <a:lnRef idx="1">
+            <a:schemeClr val="accent6"/>
+          </a:lnRef>
+          <a:fillRef idx="2">
+            <a:schemeClr val="accent6"/>
+          </a:fillRef>
+          <a:effectRef idx="1">
+            <a:schemeClr val="accent6"/>
+          </a:effectRef>
+          <a:fontRef idx="minor">
+            <a:schemeClr val="dk1"/>
+          </a:fontRef>
+        </p:style>
+        <p:txBody>
+          <a:bodyPr rot="0" spcFirstLastPara="0" vertOverflow="overflow" horzOverflow="overflow" vert="horz" wrap="square" lIns="91440" tIns="45721" rIns="91440" bIns="45721" numCol="1" spcCol="0" rtlCol="0" fromWordArt="0" anchor="ctr" anchorCtr="0" forceAA="0" compatLnSpc="1">
+            <a:prstTxWarp prst="textNoShape">
+              <a:avLst/>
+            </a:prstTxWarp>
+            <a:noAutofit/>
+          </a:bodyPr>
+          <a:lstStyle/>
+          <a:p>
+            <a:pPr algn="ctr"/>
+            <a:endParaRPr lang="en-SG" sz="1600"/>
+          </a:p>
+        </p:txBody>
+      </p:sp>
+      <p:sp>
+        <p:nvSpPr>
+          <p:cNvPr id="231" name="Rectangle: Rounded Corners 50">
+            <a:extLst>
+              <a:ext uri="{FF2B5EF4-FFF2-40B4-BE49-F238E27FC236}">
+                <a16:creationId xmlns:a16="http://schemas.microsoft.com/office/drawing/2014/main" id="{193AB12E-2971-B341-895D-3A66BF4120D9}"/>
+              </a:ext>
+            </a:extLst>
+          </p:cNvPr>
+          <p:cNvSpPr/>
+          <p:nvPr/>
+        </p:nvSpPr>
+        <p:spPr>
+          <a:xfrm>
+            <a:off x="8386021" y="2716890"/>
+            <a:ext cx="2021405" cy="809632"/>
+          </a:xfrm>
+          <a:prstGeom prst="roundRect">
+            <a:avLst/>
+          </a:prstGeom>
+        </p:spPr>
+        <p:style>
+          <a:lnRef idx="1">
+            <a:schemeClr val="accent6"/>
+          </a:lnRef>
+          <a:fillRef idx="2">
+            <a:schemeClr val="accent6"/>
+          </a:fillRef>
+          <a:effectRef idx="1">
+            <a:schemeClr val="accent6"/>
+          </a:effectRef>
+          <a:fontRef idx="minor">
+            <a:schemeClr val="dk1"/>
+          </a:fontRef>
+        </p:style>
+        <p:txBody>
+          <a:bodyPr rot="0" spcFirstLastPara="0" vertOverflow="overflow" horzOverflow="overflow" vert="horz" wrap="square" lIns="91440" tIns="45721" rIns="91440" bIns="45721" numCol="1" spcCol="0" rtlCol="0" fromWordArt="0" anchor="ctr" anchorCtr="0" forceAA="0" compatLnSpc="1">
+            <a:prstTxWarp prst="textNoShape">
+              <a:avLst/>
+            </a:prstTxWarp>
+            <a:noAutofit/>
+          </a:bodyPr>
+          <a:lstStyle/>
+          <a:p>
+            <a:pPr algn="ctr"/>
+            <a:r>
+              <a:rPr lang="en-SG" sz="1600" dirty="0"/>
+              <a:t>Check for presence of Limit placeholder in user input</a:t>
+            </a:r>
+          </a:p>
+        </p:txBody>
+      </p:sp>
+      <p:cxnSp>
+        <p:nvCxnSpPr>
+          <p:cNvPr id="232" name="Elbow Connector 231">
+            <a:extLst>
+              <a:ext uri="{FF2B5EF4-FFF2-40B4-BE49-F238E27FC236}">
+                <a16:creationId xmlns:a16="http://schemas.microsoft.com/office/drawing/2014/main" id="{59FA2E28-0599-6E43-9178-61C5E770AD9E}"/>
+              </a:ext>
+            </a:extLst>
+          </p:cNvPr>
+          <p:cNvCxnSpPr>
+            <a:cxnSpLocks/>
+            <a:stCxn id="229" idx="1"/>
+            <a:endCxn id="250" idx="0"/>
+          </p:cNvCxnSpPr>
+          <p:nvPr/>
+        </p:nvCxnSpPr>
+        <p:spPr>
+          <a:xfrm rot="10800000" flipV="1">
+            <a:off x="8360073" y="4070553"/>
+            <a:ext cx="824015" cy="322238"/>
+          </a:xfrm>
+          <a:prstGeom prst="bentConnector2">
+            <a:avLst/>
+          </a:prstGeom>
+          <a:ln>
+            <a:tailEnd type="triangle"/>
+          </a:ln>
+        </p:spPr>
+        <p:style>
+          <a:lnRef idx="1">
+            <a:schemeClr val="dk1"/>
+          </a:lnRef>
+          <a:fillRef idx="0">
+            <a:schemeClr val="dk1"/>
+          </a:fillRef>
+          <a:effectRef idx="0">
+            <a:schemeClr val="dk1"/>
+          </a:effectRef>
+          <a:fontRef idx="minor">
+            <a:schemeClr val="tx1"/>
+          </a:fontRef>
+        </p:style>
+      </p:cxnSp>
+      <p:sp>
+        <p:nvSpPr>
+          <p:cNvPr id="233" name="TextBox 232">
+            <a:extLst>
+              <a:ext uri="{FF2B5EF4-FFF2-40B4-BE49-F238E27FC236}">
+                <a16:creationId xmlns:a16="http://schemas.microsoft.com/office/drawing/2014/main" id="{0832AFDF-9166-FA44-97AC-3199AD5086FD}"/>
+              </a:ext>
+            </a:extLst>
+          </p:cNvPr>
+          <p:cNvSpPr txBox="1"/>
+          <p:nvPr/>
+        </p:nvSpPr>
+        <p:spPr>
+          <a:xfrm>
+            <a:off x="6997413" y="3658078"/>
+            <a:ext cx="2225216" cy="338554"/>
+          </a:xfrm>
+          <a:prstGeom prst="rect">
+            <a:avLst/>
+          </a:prstGeom>
+          <a:noFill/>
+        </p:spPr>
+        <p:txBody>
+          <a:bodyPr wrap="square" rtlCol="0">
+            <a:spAutoFit/>
+          </a:bodyPr>
+          <a:lstStyle/>
+          <a:p>
+            <a:pPr algn="r"/>
+            <a:r>
+              <a:rPr lang="en-US" sz="1600" dirty="0"/>
+              <a:t>[Limit input is present]</a:t>
+            </a:r>
+            <a:endParaRPr lang="en-SG" sz="1600" dirty="0"/>
+          </a:p>
+        </p:txBody>
+      </p:sp>
+      <p:cxnSp>
+        <p:nvCxnSpPr>
+          <p:cNvPr id="234" name="Elbow Connector 233">
+            <a:extLst>
+              <a:ext uri="{FF2B5EF4-FFF2-40B4-BE49-F238E27FC236}">
+                <a16:creationId xmlns:a16="http://schemas.microsoft.com/office/drawing/2014/main" id="{BF6A26E7-F2FE-1747-9A3C-4C5D91E7C7B9}"/>
+              </a:ext>
+            </a:extLst>
+          </p:cNvPr>
+          <p:cNvCxnSpPr>
+            <a:cxnSpLocks/>
+            <a:stCxn id="229" idx="3"/>
+            <a:endCxn id="251" idx="0"/>
+          </p:cNvCxnSpPr>
+          <p:nvPr/>
+        </p:nvCxnSpPr>
+        <p:spPr>
+          <a:xfrm>
+            <a:off x="9603903" y="4070553"/>
+            <a:ext cx="882178" cy="320899"/>
+          </a:xfrm>
+          <a:prstGeom prst="bentConnector2">
+            <a:avLst/>
+          </a:prstGeom>
+          <a:ln>
+            <a:tailEnd type="triangle"/>
+          </a:ln>
+        </p:spPr>
+        <p:style>
+          <a:lnRef idx="1">
+            <a:schemeClr val="dk1"/>
+          </a:lnRef>
+          <a:fillRef idx="0">
+            <a:schemeClr val="dk1"/>
+          </a:fillRef>
+          <a:effectRef idx="0">
+            <a:schemeClr val="dk1"/>
+          </a:effectRef>
+          <a:fontRef idx="minor">
+            <a:schemeClr val="tx1"/>
+          </a:fontRef>
+        </p:style>
+      </p:cxnSp>
+      <p:sp>
+        <p:nvSpPr>
+          <p:cNvPr id="235" name="TextBox 234">
+            <a:extLst>
+              <a:ext uri="{FF2B5EF4-FFF2-40B4-BE49-F238E27FC236}">
+                <a16:creationId xmlns:a16="http://schemas.microsoft.com/office/drawing/2014/main" id="{DC5A7BE2-EDB2-5B48-BA5D-C730C69E13CF}"/>
+              </a:ext>
+            </a:extLst>
+          </p:cNvPr>
+          <p:cNvSpPr txBox="1"/>
+          <p:nvPr/>
+        </p:nvSpPr>
+        <p:spPr>
+          <a:xfrm>
+            <a:off x="9612252" y="3653063"/>
+            <a:ext cx="1603945" cy="338554"/>
+          </a:xfrm>
+          <a:prstGeom prst="rect">
+            <a:avLst/>
+          </a:prstGeom>
+          <a:noFill/>
+        </p:spPr>
+        <p:txBody>
+          <a:bodyPr wrap="square" rtlCol="0">
+            <a:spAutoFit/>
+          </a:bodyPr>
+          <a:lstStyle/>
+          <a:p>
+            <a:r>
+              <a:rPr lang="en-US" sz="1600" dirty="0"/>
+              <a:t>[else]</a:t>
+            </a:r>
+            <a:endParaRPr lang="en-SG" sz="1600" dirty="0"/>
+          </a:p>
+        </p:txBody>
+      </p:sp>
+      <p:sp>
+        <p:nvSpPr>
+          <p:cNvPr id="236" name="Diamond 235">
+            <a:extLst>
+              <a:ext uri="{FF2B5EF4-FFF2-40B4-BE49-F238E27FC236}">
+                <a16:creationId xmlns:a16="http://schemas.microsoft.com/office/drawing/2014/main" id="{441B4602-515E-F440-82B5-362104ABCA9F}"/>
+              </a:ext>
+            </a:extLst>
+          </p:cNvPr>
+          <p:cNvSpPr/>
+          <p:nvPr/>
+        </p:nvSpPr>
+        <p:spPr>
+          <a:xfrm>
+            <a:off x="9222629" y="5361793"/>
+            <a:ext cx="419816" cy="419816"/>
+          </a:xfrm>
+          <a:prstGeom prst="diamond">
+            <a:avLst/>
+          </a:prstGeom>
+        </p:spPr>
+        <p:style>
+          <a:lnRef idx="1">
+            <a:schemeClr val="accent6"/>
+          </a:lnRef>
+          <a:fillRef idx="2">
+            <a:schemeClr val="accent6"/>
+          </a:fillRef>
+          <a:effectRef idx="1">
+            <a:schemeClr val="accent6"/>
+          </a:effectRef>
+          <a:fontRef idx="minor">
+            <a:schemeClr val="dk1"/>
+          </a:fontRef>
+        </p:style>
+        <p:txBody>
+          <a:bodyPr rot="0" spcFirstLastPara="0" vertOverflow="overflow" horzOverflow="overflow" vert="horz" wrap="square" lIns="91440" tIns="45721" rIns="91440" bIns="45721" numCol="1" spcCol="0" rtlCol="0" fromWordArt="0" anchor="ctr" anchorCtr="0" forceAA="0" compatLnSpc="1">
+            <a:prstTxWarp prst="textNoShape">
+              <a:avLst/>
+            </a:prstTxWarp>
+            <a:noAutofit/>
+          </a:bodyPr>
+          <a:lstStyle/>
+          <a:p>
+            <a:pPr algn="ctr"/>
+            <a:endParaRPr lang="en-SG" sz="1600"/>
+          </a:p>
+        </p:txBody>
+      </p:sp>
+      <p:cxnSp>
+        <p:nvCxnSpPr>
+          <p:cNvPr id="237" name="Straight Arrow Connector 236">
+            <a:extLst>
+              <a:ext uri="{FF2B5EF4-FFF2-40B4-BE49-F238E27FC236}">
+                <a16:creationId xmlns:a16="http://schemas.microsoft.com/office/drawing/2014/main" id="{B2780D7A-A38B-C34C-9DF9-48DBD784F17C}"/>
+              </a:ext>
+            </a:extLst>
+          </p:cNvPr>
+          <p:cNvCxnSpPr>
+            <a:cxnSpLocks/>
+            <a:stCxn id="223" idx="2"/>
+            <a:endCxn id="222" idx="0"/>
+          </p:cNvCxnSpPr>
+          <p:nvPr/>
+        </p:nvCxnSpPr>
+        <p:spPr>
+          <a:xfrm>
+            <a:off x="5057838" y="3559775"/>
+            <a:ext cx="2678" cy="300870"/>
+          </a:xfrm>
+          <a:prstGeom prst="straightConnector1">
+            <a:avLst/>
+          </a:prstGeom>
+          <a:ln>
+            <a:tailEnd type="triangle"/>
+          </a:ln>
+        </p:spPr>
+        <p:style>
+          <a:lnRef idx="1">
+            <a:schemeClr val="dk1"/>
+          </a:lnRef>
+          <a:fillRef idx="0">
+            <a:schemeClr val="dk1"/>
+          </a:fillRef>
+          <a:effectRef idx="0">
+            <a:schemeClr val="dk1"/>
+          </a:effectRef>
+          <a:fontRef idx="minor">
+            <a:schemeClr val="tx1"/>
+          </a:fontRef>
+        </p:style>
+      </p:cxnSp>
+      <p:cxnSp>
+        <p:nvCxnSpPr>
+          <p:cNvPr id="238" name="Straight Arrow Connector 237">
+            <a:extLst>
+              <a:ext uri="{FF2B5EF4-FFF2-40B4-BE49-F238E27FC236}">
+                <a16:creationId xmlns:a16="http://schemas.microsoft.com/office/drawing/2014/main" id="{7A9BCC34-D99E-CC4F-B7B1-78FD017A83F0}"/>
+              </a:ext>
+            </a:extLst>
+          </p:cNvPr>
+          <p:cNvCxnSpPr>
+            <a:cxnSpLocks/>
+            <a:stCxn id="231" idx="2"/>
+            <a:endCxn id="229" idx="0"/>
+          </p:cNvCxnSpPr>
+          <p:nvPr/>
+        </p:nvCxnSpPr>
+        <p:spPr>
+          <a:xfrm flipH="1">
+            <a:off x="9393995" y="3526522"/>
+            <a:ext cx="2729" cy="334123"/>
+          </a:xfrm>
+          <a:prstGeom prst="straightConnector1">
+            <a:avLst/>
+          </a:prstGeom>
+          <a:ln>
+            <a:tailEnd type="triangle"/>
+          </a:ln>
+        </p:spPr>
+        <p:style>
+          <a:lnRef idx="1">
+            <a:schemeClr val="dk1"/>
+          </a:lnRef>
+          <a:fillRef idx="0">
+            <a:schemeClr val="dk1"/>
+          </a:fillRef>
+          <a:effectRef idx="0">
+            <a:schemeClr val="dk1"/>
+          </a:effectRef>
+          <a:fontRef idx="minor">
+            <a:schemeClr val="tx1"/>
+          </a:fontRef>
+        </p:style>
+      </p:cxnSp>
+      <p:cxnSp>
+        <p:nvCxnSpPr>
+          <p:cNvPr id="239" name="Elbow Connector 238">
+            <a:extLst>
+              <a:ext uri="{FF2B5EF4-FFF2-40B4-BE49-F238E27FC236}">
+                <a16:creationId xmlns:a16="http://schemas.microsoft.com/office/drawing/2014/main" id="{FFF80296-F010-9D4C-991D-5E9DA2E8B902}"/>
+              </a:ext>
+            </a:extLst>
+          </p:cNvPr>
+          <p:cNvCxnSpPr>
+            <a:cxnSpLocks/>
+          </p:cNvCxnSpPr>
+          <p:nvPr/>
+        </p:nvCxnSpPr>
+        <p:spPr>
+          <a:xfrm rot="5400000">
+            <a:off x="5541910" y="1501475"/>
+            <a:ext cx="698683" cy="1851136"/>
+          </a:xfrm>
+          <a:prstGeom prst="bentConnector3">
+            <a:avLst>
+              <a:gd name="adj1" fmla="val 50000"/>
+            </a:avLst>
+          </a:prstGeom>
+          <a:ln>
+            <a:tailEnd type="triangle"/>
+          </a:ln>
+        </p:spPr>
+        <p:style>
+          <a:lnRef idx="1">
+            <a:schemeClr val="dk1"/>
+          </a:lnRef>
+          <a:fillRef idx="0">
+            <a:schemeClr val="dk1"/>
+          </a:fillRef>
+          <a:effectRef idx="0">
+            <a:schemeClr val="dk1"/>
+          </a:effectRef>
+          <a:fontRef idx="minor">
+            <a:schemeClr val="tx1"/>
+          </a:fontRef>
+        </p:style>
+      </p:cxnSp>
+      <p:cxnSp>
+        <p:nvCxnSpPr>
+          <p:cNvPr id="240" name="Elbow Connector 239">
+            <a:extLst>
+              <a:ext uri="{FF2B5EF4-FFF2-40B4-BE49-F238E27FC236}">
+                <a16:creationId xmlns:a16="http://schemas.microsoft.com/office/drawing/2014/main" id="{41A4121A-205B-EC42-A7D3-C9616D2A8342}"/>
+              </a:ext>
+            </a:extLst>
+          </p:cNvPr>
+          <p:cNvCxnSpPr>
+            <a:cxnSpLocks/>
+          </p:cNvCxnSpPr>
+          <p:nvPr/>
+        </p:nvCxnSpPr>
+        <p:spPr>
+          <a:xfrm rot="16200000" flipH="1">
+            <a:off x="8265529" y="1453669"/>
+            <a:ext cx="635166" cy="1946746"/>
+          </a:xfrm>
+          <a:prstGeom prst="bentConnector3">
+            <a:avLst>
+              <a:gd name="adj1" fmla="val 50000"/>
+            </a:avLst>
+          </a:prstGeom>
+          <a:ln>
+            <a:tailEnd type="triangle"/>
+          </a:ln>
+        </p:spPr>
+        <p:style>
+          <a:lnRef idx="1">
+            <a:schemeClr val="dk1"/>
+          </a:lnRef>
+          <a:fillRef idx="0">
+            <a:schemeClr val="dk1"/>
+          </a:fillRef>
+          <a:effectRef idx="0">
+            <a:schemeClr val="dk1"/>
+          </a:effectRef>
+          <a:fontRef idx="minor">
+            <a:schemeClr val="tx1"/>
+          </a:fontRef>
+        </p:style>
+      </p:cxnSp>
+      <p:sp>
+        <p:nvSpPr>
+          <p:cNvPr id="241" name="Rectangle 240">
+            <a:extLst>
+              <a:ext uri="{FF2B5EF4-FFF2-40B4-BE49-F238E27FC236}">
+                <a16:creationId xmlns:a16="http://schemas.microsoft.com/office/drawing/2014/main" id="{4A38AA6A-EA3F-6A44-9005-434B745CAD33}"/>
+              </a:ext>
+            </a:extLst>
+          </p:cNvPr>
+          <p:cNvSpPr/>
+          <p:nvPr/>
+        </p:nvSpPr>
+        <p:spPr>
+          <a:xfrm>
+            <a:off x="5304587" y="6230456"/>
+            <a:ext cx="3662280" cy="103449"/>
+          </a:xfrm>
+          <a:prstGeom prst="rect">
+            <a:avLst/>
+          </a:prstGeom>
+        </p:spPr>
+        <p:style>
+          <a:lnRef idx="2">
+            <a:schemeClr val="dk1">
+              <a:shade val="50000"/>
+            </a:schemeClr>
+          </a:lnRef>
+          <a:fillRef idx="1">
+            <a:schemeClr val="dk1"/>
+          </a:fillRef>
+          <a:effectRef idx="0">
+            <a:schemeClr val="dk1"/>
+          </a:effectRef>
+          <a:fontRef idx="minor">
+            <a:schemeClr val="lt1"/>
+          </a:fontRef>
+        </p:style>
+        <p:txBody>
+          <a:bodyPr rtlCol="0" anchor="ctr"/>
+          <a:lstStyle/>
+          <a:p>
+            <a:pPr algn="ctr"/>
+            <a:endParaRPr lang="en-US" sz="1600"/>
+          </a:p>
+        </p:txBody>
+      </p:sp>
+      <p:cxnSp>
+        <p:nvCxnSpPr>
+          <p:cNvPr id="242" name="Elbow Connector 241">
+            <a:extLst>
+              <a:ext uri="{FF2B5EF4-FFF2-40B4-BE49-F238E27FC236}">
+                <a16:creationId xmlns:a16="http://schemas.microsoft.com/office/drawing/2014/main" id="{F1330AA2-A520-D64A-8599-35B6B857D21F}"/>
+              </a:ext>
+            </a:extLst>
+          </p:cNvPr>
+          <p:cNvCxnSpPr>
+            <a:cxnSpLocks/>
+          </p:cNvCxnSpPr>
+          <p:nvPr/>
+        </p:nvCxnSpPr>
+        <p:spPr>
+          <a:xfrm rot="16200000" flipH="1">
+            <a:off x="5655374" y="5082917"/>
+            <a:ext cx="493677" cy="1845833"/>
+          </a:xfrm>
+          <a:prstGeom prst="bentConnector3">
+            <a:avLst>
+              <a:gd name="adj1" fmla="val 50000"/>
+            </a:avLst>
+          </a:prstGeom>
+          <a:ln>
+            <a:tailEnd type="triangle"/>
+          </a:ln>
+        </p:spPr>
+        <p:style>
+          <a:lnRef idx="1">
+            <a:schemeClr val="dk1"/>
+          </a:lnRef>
+          <a:fillRef idx="0">
+            <a:schemeClr val="dk1"/>
+          </a:fillRef>
+          <a:effectRef idx="0">
+            <a:schemeClr val="dk1"/>
+          </a:effectRef>
+          <a:fontRef idx="minor">
+            <a:schemeClr val="tx1"/>
+          </a:fontRef>
+        </p:style>
+      </p:cxnSp>
+      <p:cxnSp>
+        <p:nvCxnSpPr>
+          <p:cNvPr id="243" name="Elbow Connector 242">
+            <a:extLst>
+              <a:ext uri="{FF2B5EF4-FFF2-40B4-BE49-F238E27FC236}">
+                <a16:creationId xmlns:a16="http://schemas.microsoft.com/office/drawing/2014/main" id="{75A790B5-8615-5743-BC47-8643CE5EE794}"/>
+              </a:ext>
+            </a:extLst>
+          </p:cNvPr>
+          <p:cNvCxnSpPr>
+            <a:cxnSpLocks/>
+          </p:cNvCxnSpPr>
+          <p:nvPr/>
+        </p:nvCxnSpPr>
+        <p:spPr>
+          <a:xfrm rot="5400000">
+            <a:off x="8199889" y="5036721"/>
+            <a:ext cx="479345" cy="1953991"/>
+          </a:xfrm>
+          <a:prstGeom prst="bentConnector3">
+            <a:avLst/>
+          </a:prstGeom>
+          <a:ln>
+            <a:tailEnd type="triangle"/>
+          </a:ln>
+        </p:spPr>
+        <p:style>
+          <a:lnRef idx="1">
+            <a:schemeClr val="dk1"/>
+          </a:lnRef>
+          <a:fillRef idx="0">
+            <a:schemeClr val="dk1"/>
+          </a:fillRef>
+          <a:effectRef idx="0">
+            <a:schemeClr val="dk1"/>
+          </a:effectRef>
+          <a:fontRef idx="minor">
+            <a:schemeClr val="tx1"/>
+          </a:fontRef>
+        </p:style>
+      </p:cxnSp>
+      <p:cxnSp>
+        <p:nvCxnSpPr>
+          <p:cNvPr id="244" name="Elbow Connector 243">
+            <a:extLst>
+              <a:ext uri="{FF2B5EF4-FFF2-40B4-BE49-F238E27FC236}">
+                <a16:creationId xmlns:a16="http://schemas.microsoft.com/office/drawing/2014/main" id="{82663362-7708-3A4A-BCC3-10E23D7E9420}"/>
+              </a:ext>
+            </a:extLst>
+          </p:cNvPr>
+          <p:cNvCxnSpPr>
+            <a:cxnSpLocks/>
+            <a:stCxn id="248" idx="2"/>
+            <a:endCxn id="227" idx="1"/>
+          </p:cNvCxnSpPr>
+          <p:nvPr/>
+        </p:nvCxnSpPr>
+        <p:spPr>
+          <a:xfrm rot="16200000" flipH="1">
+            <a:off x="4220399" y="4911554"/>
+            <a:ext cx="378897" cy="909863"/>
+          </a:xfrm>
+          <a:prstGeom prst="bentConnector2">
+            <a:avLst/>
+          </a:prstGeom>
+          <a:ln>
+            <a:tailEnd type="triangle"/>
+          </a:ln>
+        </p:spPr>
+        <p:style>
+          <a:lnRef idx="1">
+            <a:schemeClr val="dk1"/>
+          </a:lnRef>
+          <a:fillRef idx="0">
+            <a:schemeClr val="dk1"/>
+          </a:fillRef>
+          <a:effectRef idx="0">
+            <a:schemeClr val="dk1"/>
+          </a:effectRef>
+          <a:fontRef idx="minor">
+            <a:schemeClr val="tx1"/>
+          </a:fontRef>
+        </p:style>
+      </p:cxnSp>
+      <p:cxnSp>
+        <p:nvCxnSpPr>
+          <p:cNvPr id="245" name="Elbow Connector 244">
+            <a:extLst>
+              <a:ext uri="{FF2B5EF4-FFF2-40B4-BE49-F238E27FC236}">
+                <a16:creationId xmlns:a16="http://schemas.microsoft.com/office/drawing/2014/main" id="{A2659B7A-90FB-BB4D-8ECE-9D6019439B23}"/>
+              </a:ext>
+            </a:extLst>
+          </p:cNvPr>
+          <p:cNvCxnSpPr>
+            <a:cxnSpLocks/>
+            <a:stCxn id="249" idx="2"/>
+            <a:endCxn id="227" idx="3"/>
+          </p:cNvCxnSpPr>
+          <p:nvPr/>
+        </p:nvCxnSpPr>
+        <p:spPr>
+          <a:xfrm rot="5400000">
+            <a:off x="5515421" y="4946331"/>
+            <a:ext cx="378778" cy="840430"/>
+          </a:xfrm>
+          <a:prstGeom prst="bentConnector2">
+            <a:avLst/>
+          </a:prstGeom>
+          <a:ln>
+            <a:tailEnd type="triangle"/>
+          </a:ln>
+        </p:spPr>
+        <p:style>
+          <a:lnRef idx="1">
+            <a:schemeClr val="dk1"/>
+          </a:lnRef>
+          <a:fillRef idx="0">
+            <a:schemeClr val="dk1"/>
+          </a:fillRef>
+          <a:effectRef idx="0">
+            <a:schemeClr val="dk1"/>
+          </a:effectRef>
+          <a:fontRef idx="minor">
+            <a:schemeClr val="tx1"/>
+          </a:fontRef>
+        </p:style>
+      </p:cxnSp>
+      <p:cxnSp>
+        <p:nvCxnSpPr>
+          <p:cNvPr id="246" name="Elbow Connector 245">
+            <a:extLst>
+              <a:ext uri="{FF2B5EF4-FFF2-40B4-BE49-F238E27FC236}">
+                <a16:creationId xmlns:a16="http://schemas.microsoft.com/office/drawing/2014/main" id="{230E1E00-9EA2-2A40-B05A-FA986FFF315C}"/>
+              </a:ext>
+            </a:extLst>
+          </p:cNvPr>
+          <p:cNvCxnSpPr>
+            <a:cxnSpLocks/>
+            <a:stCxn id="250" idx="2"/>
+            <a:endCxn id="236" idx="1"/>
+          </p:cNvCxnSpPr>
+          <p:nvPr/>
+        </p:nvCxnSpPr>
+        <p:spPr>
+          <a:xfrm rot="16200000" flipH="1">
+            <a:off x="8594748" y="4943819"/>
+            <a:ext cx="393205" cy="862557"/>
+          </a:xfrm>
+          <a:prstGeom prst="bentConnector2">
+            <a:avLst/>
+          </a:prstGeom>
+          <a:ln>
+            <a:tailEnd type="triangle"/>
+          </a:ln>
+        </p:spPr>
+        <p:style>
+          <a:lnRef idx="1">
+            <a:schemeClr val="dk1"/>
+          </a:lnRef>
+          <a:fillRef idx="0">
+            <a:schemeClr val="dk1"/>
+          </a:fillRef>
+          <a:effectRef idx="0">
+            <a:schemeClr val="dk1"/>
+          </a:effectRef>
+          <a:fontRef idx="minor">
+            <a:schemeClr val="tx1"/>
+          </a:fontRef>
+        </p:style>
+      </p:cxnSp>
+      <p:cxnSp>
+        <p:nvCxnSpPr>
+          <p:cNvPr id="247" name="Elbow Connector 246">
+            <a:extLst>
+              <a:ext uri="{FF2B5EF4-FFF2-40B4-BE49-F238E27FC236}">
+                <a16:creationId xmlns:a16="http://schemas.microsoft.com/office/drawing/2014/main" id="{9B57B0A4-972B-E746-BD1A-D75CB39A6AC7}"/>
+              </a:ext>
+            </a:extLst>
+          </p:cNvPr>
+          <p:cNvCxnSpPr>
+            <a:cxnSpLocks/>
+            <a:stCxn id="251" idx="2"/>
+            <a:endCxn id="236" idx="3"/>
+          </p:cNvCxnSpPr>
+          <p:nvPr/>
+        </p:nvCxnSpPr>
+        <p:spPr>
+          <a:xfrm rot="5400000">
+            <a:off x="9866991" y="4952611"/>
+            <a:ext cx="394544" cy="843636"/>
+          </a:xfrm>
+          <a:prstGeom prst="bentConnector2">
+            <a:avLst/>
+          </a:prstGeom>
+          <a:ln>
+            <a:tailEnd type="triangle"/>
+          </a:ln>
+        </p:spPr>
+        <p:style>
+          <a:lnRef idx="1">
+            <a:schemeClr val="dk1"/>
+          </a:lnRef>
+          <a:fillRef idx="0">
+            <a:schemeClr val="dk1"/>
+          </a:fillRef>
+          <a:effectRef idx="0">
+            <a:schemeClr val="dk1"/>
+          </a:effectRef>
+          <a:fontRef idx="minor">
+            <a:schemeClr val="tx1"/>
+          </a:fontRef>
+        </p:style>
+      </p:cxnSp>
+      <p:sp>
+        <p:nvSpPr>
+          <p:cNvPr id="248" name="Rectangle: Rounded Corners 50">
+            <a:extLst>
+              <a:ext uri="{FF2B5EF4-FFF2-40B4-BE49-F238E27FC236}">
+                <a16:creationId xmlns:a16="http://schemas.microsoft.com/office/drawing/2014/main" id="{956C1445-D4A2-E643-9378-3B55F10667DC}"/>
+              </a:ext>
+            </a:extLst>
+          </p:cNvPr>
+          <p:cNvSpPr/>
+          <p:nvPr/>
+        </p:nvSpPr>
+        <p:spPr>
+          <a:xfrm>
+            <a:off x="2944213" y="4391333"/>
+            <a:ext cx="2021405" cy="785705"/>
+          </a:xfrm>
+          <a:prstGeom prst="roundRect">
+            <a:avLst/>
+          </a:prstGeom>
+        </p:spPr>
+        <p:style>
+          <a:lnRef idx="1">
+            <a:schemeClr val="accent6"/>
+          </a:lnRef>
+          <a:fillRef idx="2">
+            <a:schemeClr val="accent6"/>
+          </a:fillRef>
+          <a:effectRef idx="1">
+            <a:schemeClr val="accent6"/>
+          </a:effectRef>
+          <a:fontRef idx="minor">
+            <a:schemeClr val="dk1"/>
+          </a:fontRef>
+        </p:style>
+        <p:txBody>
+          <a:bodyPr rot="0" spcFirstLastPara="0" vertOverflow="overflow" horzOverflow="overflow" vert="horz" wrap="square" lIns="91440" tIns="45721" rIns="91440" bIns="45721" numCol="1" spcCol="0" rtlCol="0" fromWordArt="0" anchor="ctr" anchorCtr="0" forceAA="0" compatLnSpc="1">
+            <a:prstTxWarp prst="textNoShape">
+              <a:avLst/>
+            </a:prstTxWarp>
+            <a:noAutofit/>
+          </a:bodyPr>
+          <a:lstStyle/>
+          <a:p>
+            <a:pPr algn="ctr"/>
+            <a:r>
+              <a:rPr lang="en-SG" sz="1600" dirty="0"/>
+              <a:t>Parse Order and set Order of the Sort to be user’s input order</a:t>
+            </a:r>
+          </a:p>
+        </p:txBody>
+      </p:sp>
+      <p:sp>
+        <p:nvSpPr>
+          <p:cNvPr id="249" name="Rectangle: Rounded Corners 50">
+            <a:extLst>
+              <a:ext uri="{FF2B5EF4-FFF2-40B4-BE49-F238E27FC236}">
+                <a16:creationId xmlns:a16="http://schemas.microsoft.com/office/drawing/2014/main" id="{4541329E-F02D-CA49-9402-0701960239B2}"/>
+              </a:ext>
+            </a:extLst>
+          </p:cNvPr>
+          <p:cNvSpPr/>
+          <p:nvPr/>
+        </p:nvSpPr>
+        <p:spPr>
+          <a:xfrm>
+            <a:off x="5114322" y="4391452"/>
+            <a:ext cx="2021405" cy="785705"/>
+          </a:xfrm>
+          <a:prstGeom prst="roundRect">
+            <a:avLst/>
+          </a:prstGeom>
+        </p:spPr>
+        <p:style>
+          <a:lnRef idx="1">
+            <a:schemeClr val="accent6"/>
+          </a:lnRef>
+          <a:fillRef idx="2">
+            <a:schemeClr val="accent6"/>
+          </a:fillRef>
+          <a:effectRef idx="1">
+            <a:schemeClr val="accent6"/>
+          </a:effectRef>
+          <a:fontRef idx="minor">
+            <a:schemeClr val="dk1"/>
+          </a:fontRef>
+        </p:style>
+        <p:txBody>
+          <a:bodyPr rot="0" spcFirstLastPara="0" vertOverflow="overflow" horzOverflow="overflow" vert="horz" wrap="square" lIns="91440" tIns="45721" rIns="91440" bIns="45721" numCol="1" spcCol="0" rtlCol="0" fromWordArt="0" anchor="ctr" anchorCtr="0" forceAA="0" compatLnSpc="1">
+            <a:prstTxWarp prst="textNoShape">
+              <a:avLst/>
+            </a:prstTxWarp>
+            <a:noAutofit/>
+          </a:bodyPr>
+          <a:lstStyle/>
+          <a:p>
+            <a:pPr algn="ctr"/>
+            <a:r>
+              <a:rPr lang="en-SG" sz="1600" dirty="0"/>
+              <a:t>Set default descending order as the Order of the Sort</a:t>
+            </a:r>
+          </a:p>
+        </p:txBody>
+      </p:sp>
+      <p:sp>
+        <p:nvSpPr>
+          <p:cNvPr id="250" name="Rectangle: Rounded Corners 50">
+            <a:extLst>
+              <a:ext uri="{FF2B5EF4-FFF2-40B4-BE49-F238E27FC236}">
+                <a16:creationId xmlns:a16="http://schemas.microsoft.com/office/drawing/2014/main" id="{89A69431-3822-9244-9633-207113A22EBC}"/>
+              </a:ext>
+            </a:extLst>
+          </p:cNvPr>
+          <p:cNvSpPr/>
+          <p:nvPr/>
+        </p:nvSpPr>
+        <p:spPr>
+          <a:xfrm>
+            <a:off x="7349369" y="4392791"/>
+            <a:ext cx="2021405" cy="785705"/>
+          </a:xfrm>
+          <a:prstGeom prst="roundRect">
+            <a:avLst/>
+          </a:prstGeom>
+        </p:spPr>
+        <p:style>
+          <a:lnRef idx="1">
+            <a:schemeClr val="accent6"/>
+          </a:lnRef>
+          <a:fillRef idx="2">
+            <a:schemeClr val="accent6"/>
+          </a:fillRef>
+          <a:effectRef idx="1">
+            <a:schemeClr val="accent6"/>
+          </a:effectRef>
+          <a:fontRef idx="minor">
+            <a:schemeClr val="dk1"/>
+          </a:fontRef>
+        </p:style>
+        <p:txBody>
+          <a:bodyPr rot="0" spcFirstLastPara="0" vertOverflow="overflow" horzOverflow="overflow" vert="horz" wrap="square" lIns="91440" tIns="45721" rIns="91440" bIns="45721" numCol="1" spcCol="0" rtlCol="0" fromWordArt="0" anchor="ctr" anchorCtr="0" forceAA="0" compatLnSpc="1">
+            <a:prstTxWarp prst="textNoShape">
+              <a:avLst/>
+            </a:prstTxWarp>
+            <a:noAutofit/>
+          </a:bodyPr>
+          <a:lstStyle/>
+          <a:p>
+            <a:pPr algn="ctr"/>
+            <a:r>
+              <a:rPr lang="en-SG" sz="1600" dirty="0"/>
+              <a:t>Parse Limit and set Limit of the Sort to be user’s input limit</a:t>
+            </a:r>
+          </a:p>
+        </p:txBody>
+      </p:sp>
+      <p:sp>
+        <p:nvSpPr>
+          <p:cNvPr id="251" name="Rectangle: Rounded Corners 50">
+            <a:extLst>
+              <a:ext uri="{FF2B5EF4-FFF2-40B4-BE49-F238E27FC236}">
+                <a16:creationId xmlns:a16="http://schemas.microsoft.com/office/drawing/2014/main" id="{AC78A9CA-85B7-604A-A034-419CF84517D4}"/>
+              </a:ext>
+            </a:extLst>
+          </p:cNvPr>
+          <p:cNvSpPr/>
+          <p:nvPr/>
+        </p:nvSpPr>
+        <p:spPr>
+          <a:xfrm>
+            <a:off x="9563164" y="4391452"/>
+            <a:ext cx="1845833" cy="785705"/>
+          </a:xfrm>
+          <a:prstGeom prst="roundRect">
+            <a:avLst/>
+          </a:prstGeom>
+        </p:spPr>
+        <p:style>
+          <a:lnRef idx="1">
+            <a:schemeClr val="accent6"/>
+          </a:lnRef>
+          <a:fillRef idx="2">
+            <a:schemeClr val="accent6"/>
+          </a:fillRef>
+          <a:effectRef idx="1">
+            <a:schemeClr val="accent6"/>
+          </a:effectRef>
+          <a:fontRef idx="minor">
+            <a:schemeClr val="dk1"/>
+          </a:fontRef>
+        </p:style>
+        <p:txBody>
+          <a:bodyPr rot="0" spcFirstLastPara="0" vertOverflow="overflow" horzOverflow="overflow" vert="horz" wrap="square" lIns="91440" tIns="45721" rIns="91440" bIns="45721" numCol="1" spcCol="0" rtlCol="0" fromWordArt="0" anchor="ctr" anchorCtr="0" forceAA="0" compatLnSpc="1">
+            <a:prstTxWarp prst="textNoShape">
+              <a:avLst/>
+            </a:prstTxWarp>
+            <a:noAutofit/>
+          </a:bodyPr>
+          <a:lstStyle/>
+          <a:p>
+            <a:pPr algn="ctr"/>
+            <a:r>
+              <a:rPr lang="en-SG" sz="1600" dirty="0"/>
+              <a:t>Set Limit as </a:t>
+            </a:r>
+            <a:r>
+              <a:rPr lang="en-SG" sz="1600" dirty="0" err="1"/>
+              <a:t>Optional.empty</a:t>
+            </a:r>
+            <a:r>
+              <a:rPr lang="en-SG" sz="1600" dirty="0"/>
+              <a:t>() object</a:t>
+            </a:r>
+          </a:p>
+        </p:txBody>
+      </p:sp>
+      <p:sp>
+        <p:nvSpPr>
+          <p:cNvPr id="252" name="Rectangle: Rounded Corners 50">
+            <a:extLst>
+              <a:ext uri="{FF2B5EF4-FFF2-40B4-BE49-F238E27FC236}">
+                <a16:creationId xmlns:a16="http://schemas.microsoft.com/office/drawing/2014/main" id="{4366A7D7-F087-9445-881E-EEAD5C1B4406}"/>
+              </a:ext>
+            </a:extLst>
+          </p:cNvPr>
+          <p:cNvSpPr/>
+          <p:nvPr/>
+        </p:nvSpPr>
+        <p:spPr>
+          <a:xfrm>
+            <a:off x="12372325" y="1014837"/>
+            <a:ext cx="2360048" cy="892499"/>
+          </a:xfrm>
+          <a:prstGeom prst="roundRect">
+            <a:avLst/>
+          </a:prstGeom>
+        </p:spPr>
+        <p:style>
+          <a:lnRef idx="1">
+            <a:schemeClr val="accent6"/>
+          </a:lnRef>
+          <a:fillRef idx="2">
+            <a:schemeClr val="accent6"/>
+          </a:fillRef>
+          <a:effectRef idx="1">
+            <a:schemeClr val="accent6"/>
+          </a:effectRef>
+          <a:fontRef idx="minor">
+            <a:schemeClr val="dk1"/>
+          </a:fontRef>
+        </p:style>
+        <p:txBody>
+          <a:bodyPr rot="0" spcFirstLastPara="0" vertOverflow="overflow" horzOverflow="overflow" vert="horz" wrap="square" lIns="91440" tIns="45721" rIns="91440" bIns="45721" numCol="1" spcCol="0" rtlCol="0" fromWordArt="0" anchor="ctr" anchorCtr="0" forceAA="0" compatLnSpc="1">
+            <a:prstTxWarp prst="textNoShape">
+              <a:avLst/>
+            </a:prstTxWarp>
+            <a:noAutofit/>
+          </a:bodyPr>
+          <a:lstStyle/>
+          <a:p>
+            <a:pPr algn="ctr"/>
+            <a:r>
+              <a:rPr lang="en-SG" sz="1600" dirty="0"/>
+              <a:t>Create </a:t>
+            </a:r>
+            <a:r>
+              <a:rPr lang="en-SG" sz="1600" dirty="0" err="1"/>
+              <a:t>SortCommand</a:t>
+            </a:r>
+            <a:r>
+              <a:rPr lang="en-SG" sz="1600" dirty="0"/>
+              <a:t> object with the Object and Limit</a:t>
+            </a:r>
+          </a:p>
+        </p:txBody>
+      </p:sp>
+      <p:sp>
+        <p:nvSpPr>
+          <p:cNvPr id="253" name="Rectangle: Rounded Corners 50">
+            <a:extLst>
+              <a:ext uri="{FF2B5EF4-FFF2-40B4-BE49-F238E27FC236}">
+                <a16:creationId xmlns:a16="http://schemas.microsoft.com/office/drawing/2014/main" id="{B0B45F75-F48E-5F4B-9D03-475D9093B4EA}"/>
+              </a:ext>
+            </a:extLst>
+          </p:cNvPr>
+          <p:cNvSpPr/>
+          <p:nvPr/>
+        </p:nvSpPr>
+        <p:spPr>
+          <a:xfrm>
+            <a:off x="4566253" y="713770"/>
+            <a:ext cx="2021405" cy="785705"/>
+          </a:xfrm>
+          <a:prstGeom prst="roundRect">
+            <a:avLst/>
+          </a:prstGeom>
+        </p:spPr>
+        <p:style>
+          <a:lnRef idx="1">
+            <a:schemeClr val="accent6"/>
+          </a:lnRef>
+          <a:fillRef idx="2">
+            <a:schemeClr val="accent6"/>
+          </a:fillRef>
+          <a:effectRef idx="1">
+            <a:schemeClr val="accent6"/>
+          </a:effectRef>
+          <a:fontRef idx="minor">
+            <a:schemeClr val="dk1"/>
+          </a:fontRef>
+        </p:style>
+        <p:txBody>
+          <a:bodyPr rot="0" spcFirstLastPara="0" vertOverflow="overflow" horzOverflow="overflow" vert="horz" wrap="square" lIns="91440" tIns="45721" rIns="91440" bIns="45721" numCol="1" spcCol="0" rtlCol="0" fromWordArt="0" anchor="ctr" anchorCtr="0" forceAA="0" compatLnSpc="1">
+            <a:prstTxWarp prst="textNoShape">
+              <a:avLst/>
+            </a:prstTxWarp>
+            <a:noAutofit/>
+          </a:bodyPr>
+          <a:lstStyle/>
+          <a:p>
+            <a:pPr algn="ctr"/>
+            <a:r>
+              <a:rPr lang="en-SG" sz="1600" dirty="0"/>
+              <a:t>Check for presence of any parameters in user’s input</a:t>
+            </a:r>
+          </a:p>
+        </p:txBody>
+      </p:sp>
+      <p:sp>
+        <p:nvSpPr>
+          <p:cNvPr id="256" name="Diamond 255">
+            <a:extLst>
+              <a:ext uri="{FF2B5EF4-FFF2-40B4-BE49-F238E27FC236}">
+                <a16:creationId xmlns:a16="http://schemas.microsoft.com/office/drawing/2014/main" id="{D3F93F24-BA30-3347-AEB7-DEC8694A39B0}"/>
+              </a:ext>
+            </a:extLst>
+          </p:cNvPr>
+          <p:cNvSpPr/>
+          <p:nvPr/>
+        </p:nvSpPr>
+        <p:spPr>
+          <a:xfrm>
+            <a:off x="6992801" y="894077"/>
+            <a:ext cx="419816" cy="419816"/>
+          </a:xfrm>
+          <a:prstGeom prst="diamond">
+            <a:avLst/>
+          </a:prstGeom>
+        </p:spPr>
+        <p:style>
+          <a:lnRef idx="1">
+            <a:schemeClr val="accent6"/>
+          </a:lnRef>
+          <a:fillRef idx="2">
+            <a:schemeClr val="accent6"/>
+          </a:fillRef>
+          <a:effectRef idx="1">
+            <a:schemeClr val="accent6"/>
+          </a:effectRef>
+          <a:fontRef idx="minor">
+            <a:schemeClr val="dk1"/>
+          </a:fontRef>
+        </p:style>
+        <p:txBody>
+          <a:bodyPr rot="0" spcFirstLastPara="0" vertOverflow="overflow" horzOverflow="overflow" vert="horz" wrap="square" lIns="91440" tIns="45721" rIns="91440" bIns="45721" numCol="1" spcCol="0" rtlCol="0" fromWordArt="0" anchor="ctr" anchorCtr="0" forceAA="0" compatLnSpc="1">
+            <a:prstTxWarp prst="textNoShape">
+              <a:avLst/>
+            </a:prstTxWarp>
+            <a:noAutofit/>
+          </a:bodyPr>
+          <a:lstStyle/>
+          <a:p>
+            <a:pPr algn="ctr"/>
+            <a:endParaRPr lang="en-SG" sz="1600"/>
+          </a:p>
+        </p:txBody>
+      </p:sp>
+      <p:cxnSp>
+        <p:nvCxnSpPr>
+          <p:cNvPr id="257" name="Elbow Connector 256">
+            <a:extLst>
+              <a:ext uri="{FF2B5EF4-FFF2-40B4-BE49-F238E27FC236}">
+                <a16:creationId xmlns:a16="http://schemas.microsoft.com/office/drawing/2014/main" id="{7F9E4A9E-5AFA-7E4F-9564-22D34D263270}"/>
+              </a:ext>
+            </a:extLst>
+          </p:cNvPr>
+          <p:cNvCxnSpPr>
+            <a:cxnSpLocks/>
+            <a:stCxn id="256" idx="0"/>
+            <a:endCxn id="265" idx="1"/>
+          </p:cNvCxnSpPr>
+          <p:nvPr/>
+        </p:nvCxnSpPr>
+        <p:spPr>
+          <a:xfrm rot="5400000" flipH="1" flipV="1">
+            <a:off x="7551940" y="67002"/>
+            <a:ext cx="477844" cy="1176306"/>
+          </a:xfrm>
+          <a:prstGeom prst="bentConnector2">
+            <a:avLst/>
+          </a:prstGeom>
+          <a:ln>
+            <a:tailEnd type="triangle"/>
+          </a:ln>
+        </p:spPr>
+        <p:style>
+          <a:lnRef idx="1">
+            <a:schemeClr val="dk1"/>
+          </a:lnRef>
+          <a:fillRef idx="0">
+            <a:schemeClr val="dk1"/>
+          </a:fillRef>
+          <a:effectRef idx="0">
+            <a:schemeClr val="dk1"/>
+          </a:effectRef>
+          <a:fontRef idx="minor">
+            <a:schemeClr val="tx1"/>
+          </a:fontRef>
+        </p:style>
+      </p:cxnSp>
+      <p:sp>
+        <p:nvSpPr>
+          <p:cNvPr id="259" name="TextBox 258">
+            <a:extLst>
+              <a:ext uri="{FF2B5EF4-FFF2-40B4-BE49-F238E27FC236}">
+                <a16:creationId xmlns:a16="http://schemas.microsoft.com/office/drawing/2014/main" id="{52580875-FCA2-0040-AFF1-7D3EEA39F547}"/>
+              </a:ext>
+            </a:extLst>
+          </p:cNvPr>
+          <p:cNvSpPr txBox="1"/>
+          <p:nvPr/>
+        </p:nvSpPr>
+        <p:spPr>
+          <a:xfrm>
+            <a:off x="7271836" y="1336549"/>
+            <a:ext cx="2214358" cy="584775"/>
+          </a:xfrm>
+          <a:prstGeom prst="rect">
+            <a:avLst/>
+          </a:prstGeom>
+          <a:noFill/>
+        </p:spPr>
+        <p:txBody>
+          <a:bodyPr wrap="square" rtlCol="0">
+            <a:spAutoFit/>
+          </a:bodyPr>
+          <a:lstStyle/>
+          <a:p>
+            <a:r>
+              <a:rPr lang="en-US" sz="1600" dirty="0"/>
+              <a:t>[At least one parameter </a:t>
+            </a:r>
+          </a:p>
+          <a:p>
+            <a:r>
+              <a:rPr lang="en-US" sz="1600" dirty="0"/>
+              <a:t>is present]</a:t>
+            </a:r>
+            <a:endParaRPr lang="en-SG" sz="1600" dirty="0"/>
+          </a:p>
+        </p:txBody>
+      </p:sp>
+      <p:sp>
+        <p:nvSpPr>
+          <p:cNvPr id="260" name="Diamond 259">
+            <a:extLst>
+              <a:ext uri="{FF2B5EF4-FFF2-40B4-BE49-F238E27FC236}">
+                <a16:creationId xmlns:a16="http://schemas.microsoft.com/office/drawing/2014/main" id="{3AC3E960-33ED-3E49-8D5D-051F05C02B6A}"/>
+              </a:ext>
+            </a:extLst>
+          </p:cNvPr>
+          <p:cNvSpPr/>
+          <p:nvPr/>
+        </p:nvSpPr>
+        <p:spPr>
+          <a:xfrm>
+            <a:off x="11449559" y="1267853"/>
+            <a:ext cx="419816" cy="419816"/>
+          </a:xfrm>
+          <a:prstGeom prst="diamond">
+            <a:avLst/>
+          </a:prstGeom>
+        </p:spPr>
+        <p:style>
+          <a:lnRef idx="1">
+            <a:schemeClr val="accent6"/>
+          </a:lnRef>
+          <a:fillRef idx="2">
+            <a:schemeClr val="accent6"/>
+          </a:fillRef>
+          <a:effectRef idx="1">
+            <a:schemeClr val="accent6"/>
+          </a:effectRef>
+          <a:fontRef idx="minor">
+            <a:schemeClr val="dk1"/>
+          </a:fontRef>
+        </p:style>
+        <p:txBody>
+          <a:bodyPr rot="0" spcFirstLastPara="0" vertOverflow="overflow" horzOverflow="overflow" vert="horz" wrap="square" lIns="91440" tIns="45721" rIns="91440" bIns="45721" numCol="1" spcCol="0" rtlCol="0" fromWordArt="0" anchor="ctr" anchorCtr="0" forceAA="0" compatLnSpc="1">
+            <a:prstTxWarp prst="textNoShape">
+              <a:avLst/>
+            </a:prstTxWarp>
+            <a:noAutofit/>
+          </a:bodyPr>
+          <a:lstStyle/>
+          <a:p>
+            <a:pPr algn="ctr"/>
+            <a:endParaRPr lang="en-SG" sz="1600" dirty="0"/>
+          </a:p>
+        </p:txBody>
+      </p:sp>
+      <p:sp>
+        <p:nvSpPr>
+          <p:cNvPr id="261" name="TextBox 260">
+            <a:extLst>
+              <a:ext uri="{FF2B5EF4-FFF2-40B4-BE49-F238E27FC236}">
+                <a16:creationId xmlns:a16="http://schemas.microsoft.com/office/drawing/2014/main" id="{619F44DD-2000-9545-8199-525F555C4F84}"/>
+              </a:ext>
+            </a:extLst>
+          </p:cNvPr>
+          <p:cNvSpPr txBox="1"/>
+          <p:nvPr/>
+        </p:nvSpPr>
+        <p:spPr>
+          <a:xfrm>
+            <a:off x="5576955" y="53762"/>
+            <a:ext cx="2769378" cy="338554"/>
+          </a:xfrm>
+          <a:prstGeom prst="rect">
+            <a:avLst/>
+          </a:prstGeom>
+          <a:noFill/>
+        </p:spPr>
+        <p:txBody>
+          <a:bodyPr wrap="square" rtlCol="0">
+            <a:spAutoFit/>
+          </a:bodyPr>
+          <a:lstStyle/>
+          <a:p>
+            <a:pPr algn="r"/>
+            <a:r>
+              <a:rPr lang="en-SG" sz="1600" dirty="0"/>
+              <a:t>[else]</a:t>
+            </a:r>
+          </a:p>
+        </p:txBody>
+      </p:sp>
+      <p:cxnSp>
+        <p:nvCxnSpPr>
+          <p:cNvPr id="262" name="Straight Arrow Connector 261">
+            <a:extLst>
+              <a:ext uri="{FF2B5EF4-FFF2-40B4-BE49-F238E27FC236}">
+                <a16:creationId xmlns:a16="http://schemas.microsoft.com/office/drawing/2014/main" id="{88651027-7E8D-6346-A935-9B5B842BDA81}"/>
+              </a:ext>
+            </a:extLst>
+          </p:cNvPr>
+          <p:cNvCxnSpPr>
+            <a:cxnSpLocks/>
+            <a:stCxn id="253" idx="3"/>
+            <a:endCxn id="256" idx="1"/>
+          </p:cNvCxnSpPr>
+          <p:nvPr/>
+        </p:nvCxnSpPr>
+        <p:spPr>
+          <a:xfrm flipV="1">
+            <a:off x="6587658" y="1103985"/>
+            <a:ext cx="405143" cy="2638"/>
+          </a:xfrm>
+          <a:prstGeom prst="straightConnector1">
+            <a:avLst/>
+          </a:prstGeom>
+          <a:ln>
+            <a:tailEnd type="triangle"/>
+          </a:ln>
+        </p:spPr>
+        <p:style>
+          <a:lnRef idx="1">
+            <a:schemeClr val="dk1"/>
+          </a:lnRef>
+          <a:fillRef idx="0">
+            <a:schemeClr val="dk1"/>
+          </a:fillRef>
+          <a:effectRef idx="0">
+            <a:schemeClr val="dk1"/>
+          </a:effectRef>
+          <a:fontRef idx="minor">
+            <a:schemeClr val="tx1"/>
+          </a:fontRef>
+        </p:style>
+      </p:cxnSp>
+      <p:cxnSp>
+        <p:nvCxnSpPr>
+          <p:cNvPr id="263" name="Elbow Connector 262">
+            <a:extLst>
+              <a:ext uri="{FF2B5EF4-FFF2-40B4-BE49-F238E27FC236}">
+                <a16:creationId xmlns:a16="http://schemas.microsoft.com/office/drawing/2014/main" id="{254FF653-E445-3846-9B0F-938142F27A76}"/>
+              </a:ext>
+            </a:extLst>
+          </p:cNvPr>
+          <p:cNvCxnSpPr>
+            <a:cxnSpLocks/>
+            <a:stCxn id="265" idx="3"/>
+            <a:endCxn id="260" idx="0"/>
+          </p:cNvCxnSpPr>
+          <p:nvPr/>
+        </p:nvCxnSpPr>
+        <p:spPr>
+          <a:xfrm>
+            <a:off x="10400420" y="416233"/>
+            <a:ext cx="1259047" cy="851620"/>
+          </a:xfrm>
+          <a:prstGeom prst="bentConnector2">
+            <a:avLst/>
+          </a:prstGeom>
+          <a:ln>
+            <a:tailEnd type="triangle"/>
+          </a:ln>
+        </p:spPr>
+        <p:style>
+          <a:lnRef idx="1">
+            <a:schemeClr val="dk1"/>
+          </a:lnRef>
+          <a:fillRef idx="0">
+            <a:schemeClr val="dk1"/>
+          </a:fillRef>
+          <a:effectRef idx="0">
+            <a:schemeClr val="dk1"/>
+          </a:effectRef>
+          <a:fontRef idx="minor">
+            <a:schemeClr val="tx1"/>
+          </a:fontRef>
+        </p:style>
+      </p:cxnSp>
+      <p:sp>
+        <p:nvSpPr>
+          <p:cNvPr id="265" name="Rectangle: Rounded Corners 50">
+            <a:extLst>
+              <a:ext uri="{FF2B5EF4-FFF2-40B4-BE49-F238E27FC236}">
+                <a16:creationId xmlns:a16="http://schemas.microsoft.com/office/drawing/2014/main" id="{60135639-F43A-D945-BACD-01B9D89FFF0F}"/>
+              </a:ext>
+            </a:extLst>
+          </p:cNvPr>
+          <p:cNvSpPr/>
+          <p:nvPr/>
+        </p:nvSpPr>
+        <p:spPr>
+          <a:xfrm>
+            <a:off x="8379015" y="23380"/>
+            <a:ext cx="2021405" cy="785705"/>
+          </a:xfrm>
+          <a:prstGeom prst="roundRect">
+            <a:avLst/>
+          </a:prstGeom>
+        </p:spPr>
+        <p:style>
+          <a:lnRef idx="1">
+            <a:schemeClr val="accent6"/>
+          </a:lnRef>
+          <a:fillRef idx="2">
+            <a:schemeClr val="accent6"/>
+          </a:fillRef>
+          <a:effectRef idx="1">
+            <a:schemeClr val="accent6"/>
+          </a:effectRef>
+          <a:fontRef idx="minor">
+            <a:schemeClr val="dk1"/>
+          </a:fontRef>
+        </p:style>
+        <p:txBody>
+          <a:bodyPr rot="0" spcFirstLastPara="0" vertOverflow="overflow" horzOverflow="overflow" vert="horz" wrap="square" lIns="91440" tIns="45721" rIns="91440" bIns="45721" numCol="1" spcCol="0" rtlCol="0" fromWordArt="0" anchor="ctr" anchorCtr="0" forceAA="0" compatLnSpc="1">
+            <a:prstTxWarp prst="textNoShape">
+              <a:avLst/>
+            </a:prstTxWarp>
+            <a:noAutofit/>
+          </a:bodyPr>
+          <a:lstStyle/>
+          <a:p>
+            <a:pPr algn="ctr"/>
+            <a:r>
+              <a:rPr lang="en-SG" sz="1600" dirty="0"/>
+              <a:t>Set default descending order as the Order of the Sort</a:t>
+            </a:r>
+          </a:p>
+        </p:txBody>
+      </p:sp>
+      <p:cxnSp>
+        <p:nvCxnSpPr>
+          <p:cNvPr id="280" name="Elbow Connector 279">
+            <a:extLst>
+              <a:ext uri="{FF2B5EF4-FFF2-40B4-BE49-F238E27FC236}">
+                <a16:creationId xmlns:a16="http://schemas.microsoft.com/office/drawing/2014/main" id="{322648A1-5A6D-1F41-A12E-D952F3720E33}"/>
+              </a:ext>
+            </a:extLst>
+          </p:cNvPr>
+          <p:cNvCxnSpPr>
+            <a:cxnSpLocks/>
+            <a:stCxn id="241" idx="2"/>
+            <a:endCxn id="260" idx="2"/>
+          </p:cNvCxnSpPr>
+          <p:nvPr/>
+        </p:nvCxnSpPr>
+        <p:spPr>
+          <a:xfrm rot="5400000" flipH="1" flipV="1">
+            <a:off x="7074479" y="1748917"/>
+            <a:ext cx="4646236" cy="4523740"/>
+          </a:xfrm>
+          <a:prstGeom prst="bentConnector3">
+            <a:avLst>
+              <a:gd name="adj1" fmla="val -4920"/>
+            </a:avLst>
+          </a:prstGeom>
+          <a:ln>
+            <a:tailEnd type="triangle"/>
+          </a:ln>
+        </p:spPr>
+        <p:style>
+          <a:lnRef idx="1">
+            <a:schemeClr val="dk1"/>
+          </a:lnRef>
+          <a:fillRef idx="0">
+            <a:schemeClr val="dk1"/>
+          </a:fillRef>
+          <a:effectRef idx="0">
+            <a:schemeClr val="dk1"/>
+          </a:effectRef>
+          <a:fontRef idx="minor">
+            <a:schemeClr val="tx1"/>
+          </a:fontRef>
+        </p:style>
+      </p:cxnSp>
+      <p:cxnSp>
+        <p:nvCxnSpPr>
+          <p:cNvPr id="294" name="Straight Arrow Connector 293">
+            <a:extLst>
+              <a:ext uri="{FF2B5EF4-FFF2-40B4-BE49-F238E27FC236}">
+                <a16:creationId xmlns:a16="http://schemas.microsoft.com/office/drawing/2014/main" id="{571C99FA-2304-1742-A68C-93299307E005}"/>
+              </a:ext>
+            </a:extLst>
+          </p:cNvPr>
+          <p:cNvCxnSpPr>
+            <a:cxnSpLocks/>
+            <a:stCxn id="260" idx="3"/>
+            <a:endCxn id="252" idx="1"/>
+          </p:cNvCxnSpPr>
+          <p:nvPr/>
+        </p:nvCxnSpPr>
+        <p:spPr>
+          <a:xfrm flipV="1">
+            <a:off x="11869375" y="1461087"/>
+            <a:ext cx="502950" cy="16674"/>
+          </a:xfrm>
+          <a:prstGeom prst="straightConnector1">
+            <a:avLst/>
+          </a:prstGeom>
+          <a:ln>
+            <a:tailEnd type="triangle"/>
+          </a:ln>
+        </p:spPr>
+        <p:style>
+          <a:lnRef idx="1">
+            <a:schemeClr val="dk1"/>
+          </a:lnRef>
+          <a:fillRef idx="0">
+            <a:schemeClr val="dk1"/>
+          </a:fillRef>
+          <a:effectRef idx="0">
+            <a:schemeClr val="dk1"/>
+          </a:effectRef>
+          <a:fontRef idx="minor">
+            <a:schemeClr val="tx1"/>
+          </a:fontRef>
+        </p:style>
+      </p:cxnSp>
+      <p:sp>
+        <p:nvSpPr>
+          <p:cNvPr id="304" name="Diamond 303">
+            <a:extLst>
+              <a:ext uri="{FF2B5EF4-FFF2-40B4-BE49-F238E27FC236}">
+                <a16:creationId xmlns:a16="http://schemas.microsoft.com/office/drawing/2014/main" id="{58AF52B8-0BF8-0D48-8341-89FB9806B379}"/>
+              </a:ext>
+            </a:extLst>
+          </p:cNvPr>
+          <p:cNvSpPr/>
+          <p:nvPr/>
+        </p:nvSpPr>
+        <p:spPr>
+          <a:xfrm>
+            <a:off x="16081091" y="2673188"/>
+            <a:ext cx="419816" cy="419816"/>
+          </a:xfrm>
+          <a:prstGeom prst="diamond">
+            <a:avLst/>
+          </a:prstGeom>
+        </p:spPr>
+        <p:style>
+          <a:lnRef idx="1">
+            <a:schemeClr val="accent6"/>
+          </a:lnRef>
+          <a:fillRef idx="2">
+            <a:schemeClr val="accent6"/>
+          </a:fillRef>
+          <a:effectRef idx="1">
+            <a:schemeClr val="accent6"/>
+          </a:effectRef>
+          <a:fontRef idx="minor">
+            <a:schemeClr val="dk1"/>
+          </a:fontRef>
+        </p:style>
+        <p:txBody>
+          <a:bodyPr rot="0" spcFirstLastPara="0" vertOverflow="overflow" horzOverflow="overflow" vert="horz" wrap="square" lIns="91440" tIns="45721" rIns="91440" bIns="45721" numCol="1" spcCol="0" rtlCol="0" fromWordArt="0" anchor="ctr" anchorCtr="0" forceAA="0" compatLnSpc="1">
+            <a:prstTxWarp prst="textNoShape">
+              <a:avLst/>
+            </a:prstTxWarp>
+            <a:noAutofit/>
+          </a:bodyPr>
+          <a:lstStyle/>
+          <a:p>
+            <a:pPr algn="ctr"/>
+            <a:endParaRPr lang="en-SG" sz="1600"/>
+          </a:p>
+        </p:txBody>
+      </p:sp>
+      <p:sp>
+        <p:nvSpPr>
+          <p:cNvPr id="305" name="Rectangle: Rounded Corners 50">
+            <a:extLst>
+              <a:ext uri="{FF2B5EF4-FFF2-40B4-BE49-F238E27FC236}">
+                <a16:creationId xmlns:a16="http://schemas.microsoft.com/office/drawing/2014/main" id="{50DBD24D-083B-AC42-8477-ECCA3D6E2D31}"/>
+              </a:ext>
+            </a:extLst>
+          </p:cNvPr>
+          <p:cNvSpPr/>
+          <p:nvPr/>
+        </p:nvSpPr>
+        <p:spPr>
+          <a:xfrm>
+            <a:off x="17557486" y="3303540"/>
+            <a:ext cx="2442104" cy="1114209"/>
           </a:xfrm>
           <a:prstGeom prst="roundRect">
             <a:avLst/>
@@ -4848,31 +6108,68 @@
             <a:pPr algn="ctr"/>
             <a:r>
               <a:rPr lang="en-SG" sz="1600" dirty="0"/>
-              <a:t>Display Restaurant’s summary with ‘N.A.’ Ratings</a:t>
-            </a:r>
+              <a:t>Filter and display sorted restaurant list to the restaurants with the top Limit number of ratings</a:t>
+            </a:r>
+          </a:p>
+        </p:txBody>
+      </p:sp>
+      <p:sp>
+        <p:nvSpPr>
+          <p:cNvPr id="307" name="TextBox 306">
+            <a:extLst>
+              <a:ext uri="{FF2B5EF4-FFF2-40B4-BE49-F238E27FC236}">
+                <a16:creationId xmlns:a16="http://schemas.microsoft.com/office/drawing/2014/main" id="{03374BCB-272F-D843-BCD0-477FDBA95E20}"/>
+              </a:ext>
+            </a:extLst>
+          </p:cNvPr>
+          <p:cNvSpPr txBox="1"/>
+          <p:nvPr/>
+        </p:nvSpPr>
+        <p:spPr>
+          <a:xfrm>
+            <a:off x="15978857" y="2447084"/>
+            <a:ext cx="2225216" cy="338554"/>
+          </a:xfrm>
+          <a:prstGeom prst="rect">
+            <a:avLst/>
+          </a:prstGeom>
+          <a:noFill/>
+        </p:spPr>
+        <p:txBody>
+          <a:bodyPr wrap="square" rtlCol="0">
+            <a:spAutoFit/>
+          </a:bodyPr>
+          <a:lstStyle/>
+          <a:p>
+            <a:pPr algn="r"/>
+            <a:r>
+              <a:rPr lang="en-US" sz="1600" dirty="0"/>
+              <a:t>[Limit is not null]</a:t>
+            </a:r>
+            <a:endParaRPr lang="en-SG" sz="1600" dirty="0"/>
           </a:p>
         </p:txBody>
       </p:sp>
       <p:cxnSp>
         <p:nvCxnSpPr>
-          <p:cNvPr id="88" name="Elbow Connector 87">
-            <a:extLst>
-              <a:ext uri="{FF2B5EF4-FFF2-40B4-BE49-F238E27FC236}">
-                <a16:creationId xmlns:a16="http://schemas.microsoft.com/office/drawing/2014/main" id="{9EBE1D68-F5B6-724A-9903-E47CD53DB4E2}"/>
+          <p:cNvPr id="308" name="Elbow Connector 307">
+            <a:extLst>
+              <a:ext uri="{FF2B5EF4-FFF2-40B4-BE49-F238E27FC236}">
+                <a16:creationId xmlns:a16="http://schemas.microsoft.com/office/drawing/2014/main" id="{A113777E-9D69-6C44-AA3E-0700675DAE3F}"/>
               </a:ext>
             </a:extLst>
           </p:cNvPr>
           <p:cNvCxnSpPr>
             <a:cxnSpLocks/>
-            <a:stCxn id="65" idx="3"/>
-            <a:endCxn id="90" idx="0"/>
+            <a:stCxn id="304" idx="3"/>
+            <a:endCxn id="305" idx="0"/>
           </p:cNvCxnSpPr>
           <p:nvPr/>
         </p:nvCxnSpPr>
         <p:spPr>
           <a:xfrm>
-            <a:off x="10913983" y="3391529"/>
-            <a:ext cx="1242617" cy="325162"/>
+            <a:off x="16500907" y="2883096"/>
+            <a:ext cx="2277631" cy="420444"/>
           </a:xfrm>
           <a:prstGeom prst="bentConnector2">
             <a:avLst/>
@@ -4898,10 +6195,10 @@
       </p:cxnSp>
       <p:sp>
         <p:nvSpPr>
-          <p:cNvPr id="89" name="TextBox 88">
-            <a:extLst>
-              <a:ext uri="{FF2B5EF4-FFF2-40B4-BE49-F238E27FC236}">
-                <a16:creationId xmlns:a16="http://schemas.microsoft.com/office/drawing/2014/main" id="{0C59D682-E7CB-9542-BBFE-2EE65152CF4F}"/>
+          <p:cNvPr id="309" name="TextBox 308">
+            <a:extLst>
+              <a:ext uri="{FF2B5EF4-FFF2-40B4-BE49-F238E27FC236}">
+                <a16:creationId xmlns:a16="http://schemas.microsoft.com/office/drawing/2014/main" id="{373453B6-AB8C-EF4C-BB0D-1D23CD489A16}"/>
               </a:ext>
             </a:extLst>
           </p:cNvPr>
@@ -4910,7 +6207,7 @@
         </p:nvSpPr>
         <p:spPr>
           <a:xfrm>
-            <a:off x="11071907" y="2985384"/>
+            <a:off x="15051212" y="2478272"/>
             <a:ext cx="1603945" cy="338554"/>
           </a:xfrm>
           <a:prstGeom prst="rect">
@@ -4926,26 +6223,61 @@
           <a:p>
             <a:r>
               <a:rPr lang="en-US" sz="1600" dirty="0"/>
-              <a:t>[</a:t>
-            </a:r>
-            <a:r>
-              <a:rPr lang="en-US" sz="1600" dirty="0" err="1"/>
-              <a:t>TotalVisits</a:t>
-            </a:r>
-            <a:r>
-              <a:rPr lang="en-US" sz="1600" dirty="0"/>
-              <a:t> &gt; 0]</a:t>
+              <a:t>[else]</a:t>
             </a:r>
             <a:endParaRPr lang="en-SG" sz="1600" dirty="0"/>
           </a:p>
         </p:txBody>
       </p:sp>
-      <p:sp>
-        <p:nvSpPr>
-          <p:cNvPr id="90" name="Rectangle: Rounded Corners 50">
-            <a:extLst>
-              <a:ext uri="{FF2B5EF4-FFF2-40B4-BE49-F238E27FC236}">
-                <a16:creationId xmlns:a16="http://schemas.microsoft.com/office/drawing/2014/main" id="{4FAB0F01-9EFE-404C-A7FD-66ECEC795CDF}"/>
+      <p:cxnSp>
+        <p:nvCxnSpPr>
+          <p:cNvPr id="310" name="Straight Arrow Connector 309">
+            <a:extLst>
+              <a:ext uri="{FF2B5EF4-FFF2-40B4-BE49-F238E27FC236}">
+                <a16:creationId xmlns:a16="http://schemas.microsoft.com/office/drawing/2014/main" id="{AFFAB685-97C2-D94C-90DB-7778B807A97D}"/>
+              </a:ext>
+            </a:extLst>
+          </p:cNvPr>
+          <p:cNvCxnSpPr>
+            <a:cxnSpLocks/>
+            <a:stCxn id="252" idx="3"/>
+            <a:endCxn id="335" idx="1"/>
+          </p:cNvCxnSpPr>
+          <p:nvPr/>
+        </p:nvCxnSpPr>
+        <p:spPr>
+          <a:xfrm>
+            <a:off x="14732373" y="1461087"/>
+            <a:ext cx="534996" cy="16675"/>
+          </a:xfrm>
+          <a:prstGeom prst="straightConnector1">
+            <a:avLst/>
+          </a:prstGeom>
+          <a:ln>
+            <a:tailEnd type="triangle"/>
+          </a:ln>
+        </p:spPr>
+        <p:style>
+          <a:lnRef idx="1">
+            <a:schemeClr val="dk1"/>
+          </a:lnRef>
+          <a:fillRef idx="0">
+            <a:schemeClr val="dk1"/>
+          </a:fillRef>
+          <a:effectRef idx="0">
+            <a:schemeClr val="dk1"/>
+          </a:effectRef>
+          <a:fontRef idx="minor">
+            <a:schemeClr val="tx1"/>
+          </a:fontRef>
+        </p:style>
+      </p:cxnSp>
+      <p:sp>
+        <p:nvSpPr>
+          <p:cNvPr id="311" name="Rectangle: Rounded Corners 50">
+            <a:extLst>
+              <a:ext uri="{FF2B5EF4-FFF2-40B4-BE49-F238E27FC236}">
+                <a16:creationId xmlns:a16="http://schemas.microsoft.com/office/drawing/2014/main" id="{73F893F3-0388-7345-8665-B70F0F7F3E2F}"/>
               </a:ext>
             </a:extLst>
           </p:cNvPr>
@@ -4954,8 +6286,8 @@
         </p:nvSpPr>
         <p:spPr>
           <a:xfrm>
-            <a:off x="10989513" y="3716691"/>
-            <a:ext cx="2334173" cy="1323764"/>
+            <a:off x="13096182" y="3429000"/>
+            <a:ext cx="2021405" cy="785705"/>
           </a:xfrm>
           <a:prstGeom prst="roundRect">
             <a:avLst/>
@@ -4987,17 +6319,60 @@
             <a:pPr algn="ctr"/>
             <a:r>
               <a:rPr lang="en-SG" sz="1600" dirty="0"/>
-              <a:t>Display Restaurant’s summary with average Ratings calculated from all of the Restaurant’s Reviews</a:t>
-            </a:r>
-          </a:p>
-        </p:txBody>
-      </p:sp>
-      <p:sp>
-        <p:nvSpPr>
-          <p:cNvPr id="91" name="Diamond 90">
-            <a:extLst>
-              <a:ext uri="{FF2B5EF4-FFF2-40B4-BE49-F238E27FC236}">
-                <a16:creationId xmlns:a16="http://schemas.microsoft.com/office/drawing/2014/main" id="{A275032E-A792-844E-BA88-EE596B42EAFB}"/>
+              <a:t>Display entire sorted restaurant list</a:t>
+            </a:r>
+          </a:p>
+        </p:txBody>
+      </p:sp>
+      <p:cxnSp>
+        <p:nvCxnSpPr>
+          <p:cNvPr id="329" name="Elbow Connector 328">
+            <a:extLst>
+              <a:ext uri="{FF2B5EF4-FFF2-40B4-BE49-F238E27FC236}">
+                <a16:creationId xmlns:a16="http://schemas.microsoft.com/office/drawing/2014/main" id="{4DBD77C7-3267-E042-A0A6-858979DB55A6}"/>
+              </a:ext>
+            </a:extLst>
+          </p:cNvPr>
+          <p:cNvCxnSpPr>
+            <a:cxnSpLocks/>
+            <a:stCxn id="304" idx="1"/>
+            <a:endCxn id="311" idx="0"/>
+          </p:cNvCxnSpPr>
+          <p:nvPr/>
+        </p:nvCxnSpPr>
+        <p:spPr>
+          <a:xfrm rot="10800000" flipV="1">
+            <a:off x="14106885" y="2883096"/>
+            <a:ext cx="1974206" cy="545904"/>
+          </a:xfrm>
+          <a:prstGeom prst="bentConnector2">
+            <a:avLst/>
+          </a:prstGeom>
+          <a:ln>
+            <a:tailEnd type="triangle"/>
+          </a:ln>
+        </p:spPr>
+        <p:style>
+          <a:lnRef idx="1">
+            <a:schemeClr val="dk1"/>
+          </a:lnRef>
+          <a:fillRef idx="0">
+            <a:schemeClr val="dk1"/>
+          </a:fillRef>
+          <a:effectRef idx="0">
+            <a:schemeClr val="dk1"/>
+          </a:effectRef>
+          <a:fontRef idx="minor">
+            <a:schemeClr val="tx1"/>
+          </a:fontRef>
+        </p:style>
+      </p:cxnSp>
+      <p:sp>
+        <p:nvSpPr>
+          <p:cNvPr id="335" name="Rectangle: Rounded Corners 50">
+            <a:extLst>
+              <a:ext uri="{FF2B5EF4-FFF2-40B4-BE49-F238E27FC236}">
+                <a16:creationId xmlns:a16="http://schemas.microsoft.com/office/drawing/2014/main" id="{BF1AF4A4-BA3C-484E-939B-3670469807B5}"/>
               </a:ext>
             </a:extLst>
           </p:cNvPr>
@@ -5006,10 +6381,10 @@
         </p:nvSpPr>
         <p:spPr>
           <a:xfrm>
-            <a:off x="10505413" y="5119504"/>
-            <a:ext cx="419816" cy="419816"/>
-          </a:xfrm>
-          <a:prstGeom prst="diamond">
+            <a:off x="15267369" y="1084909"/>
+            <a:ext cx="2021405" cy="785705"/>
+          </a:xfrm>
+          <a:prstGeom prst="roundRect">
             <a:avLst/>
           </a:prstGeom>
         </p:spPr>
@@ -5037,30 +6412,124 @@
           <a:lstStyle/>
           <a:p>
             <a:pPr algn="ctr"/>
-            <a:endParaRPr lang="en-SG" sz="1600"/>
+            <a:r>
+              <a:rPr lang="en-SG" sz="1600" dirty="0"/>
+              <a:t>Sort the list of Restaurant in the user’s input order</a:t>
+            </a:r>
           </a:p>
         </p:txBody>
       </p:sp>
       <p:cxnSp>
         <p:nvCxnSpPr>
-          <p:cNvPr id="92" name="Straight Arrow Connector 91">
-            <a:extLst>
-              <a:ext uri="{FF2B5EF4-FFF2-40B4-BE49-F238E27FC236}">
-                <a16:creationId xmlns:a16="http://schemas.microsoft.com/office/drawing/2014/main" id="{7E313626-D6B4-AC49-B6A6-A792DFAD8141}"/>
+          <p:cNvPr id="338" name="Straight Arrow Connector 337">
+            <a:extLst>
+              <a:ext uri="{FF2B5EF4-FFF2-40B4-BE49-F238E27FC236}">
+                <a16:creationId xmlns:a16="http://schemas.microsoft.com/office/drawing/2014/main" id="{E7EA3842-0E8A-574B-9D9D-66EFA22F14D1}"/>
               </a:ext>
             </a:extLst>
           </p:cNvPr>
           <p:cNvCxnSpPr>
             <a:cxnSpLocks/>
-            <a:stCxn id="55" idx="2"/>
-            <a:endCxn id="53" idx="0"/>
+            <a:stCxn id="335" idx="2"/>
+            <a:endCxn id="304" idx="0"/>
           </p:cNvCxnSpPr>
           <p:nvPr/>
         </p:nvCxnSpPr>
         <p:spPr>
           <a:xfrm>
-            <a:off x="6099127" y="2712238"/>
-            <a:ext cx="0" cy="469383"/>
+            <a:off x="16278072" y="1870614"/>
+            <a:ext cx="12927" cy="802574"/>
+          </a:xfrm>
+          <a:prstGeom prst="straightConnector1">
+            <a:avLst/>
+          </a:prstGeom>
+          <a:ln>
+            <a:tailEnd type="triangle"/>
+          </a:ln>
+        </p:spPr>
+        <p:style>
+          <a:lnRef idx="1">
+            <a:schemeClr val="dk1"/>
+          </a:lnRef>
+          <a:fillRef idx="0">
+            <a:schemeClr val="dk1"/>
+          </a:fillRef>
+          <a:effectRef idx="0">
+            <a:schemeClr val="dk1"/>
+          </a:effectRef>
+          <a:fontRef idx="minor">
+            <a:schemeClr val="tx1"/>
+          </a:fontRef>
+        </p:style>
+      </p:cxnSp>
+      <p:sp>
+        <p:nvSpPr>
+          <p:cNvPr id="351" name="Diamond 350">
+            <a:extLst>
+              <a:ext uri="{FF2B5EF4-FFF2-40B4-BE49-F238E27FC236}">
+                <a16:creationId xmlns:a16="http://schemas.microsoft.com/office/drawing/2014/main" id="{4AD9B7E9-7630-5C4F-945E-236853217EEC}"/>
+              </a:ext>
+            </a:extLst>
+          </p:cNvPr>
+          <p:cNvSpPr/>
+          <p:nvPr/>
+        </p:nvSpPr>
+        <p:spPr>
+          <a:xfrm>
+            <a:off x="16385385" y="5600474"/>
+            <a:ext cx="419816" cy="419816"/>
+          </a:xfrm>
+          <a:prstGeom prst="diamond">
+            <a:avLst/>
+          </a:prstGeom>
+        </p:spPr>
+        <p:style>
+          <a:lnRef idx="1">
+            <a:schemeClr val="accent4"/>
+          </a:lnRef>
+          <a:fillRef idx="2">
+            <a:schemeClr val="accent4"/>
+          </a:fillRef>
+          <a:effectRef idx="1">
+            <a:schemeClr val="accent4"/>
+          </a:effectRef>
+          <a:fontRef idx="minor">
+            <a:schemeClr val="dk1"/>
+          </a:fontRef>
+        </p:style>
+        <p:txBody>
+          <a:bodyPr rot="0" spcFirstLastPara="0" vertOverflow="overflow" horzOverflow="overflow" vert="horz" wrap="square" lIns="91440" tIns="45721" rIns="91440" bIns="45721" numCol="1" spcCol="0" rtlCol="0" fromWordArt="0" anchor="ctr" anchorCtr="0" forceAA="0" compatLnSpc="1">
+            <a:prstTxWarp prst="textNoShape">
+              <a:avLst/>
+            </a:prstTxWarp>
+            <a:noAutofit/>
+          </a:bodyPr>
+          <a:lstStyle/>
+          <a:p>
+            <a:pPr algn="ctr"/>
+            <a:endParaRPr lang="en-SG" sz="1600"/>
+          </a:p>
+        </p:txBody>
+      </p:sp>
+      <p:cxnSp>
+        <p:nvCxnSpPr>
+          <p:cNvPr id="16" name="Straight Arrow Connector 15">
+            <a:extLst>
+              <a:ext uri="{FF2B5EF4-FFF2-40B4-BE49-F238E27FC236}">
+                <a16:creationId xmlns:a16="http://schemas.microsoft.com/office/drawing/2014/main" id="{3991AD21-DC58-254F-8112-5F131D79F54F}"/>
+              </a:ext>
+            </a:extLst>
+          </p:cNvPr>
+          <p:cNvCxnSpPr>
+            <a:stCxn id="39" idx="0"/>
+            <a:endCxn id="40" idx="2"/>
+          </p:cNvCxnSpPr>
+          <p:nvPr/>
+        </p:nvCxnSpPr>
+        <p:spPr>
+          <a:xfrm flipH="1" flipV="1">
+            <a:off x="4422557" y="-178765"/>
+            <a:ext cx="4911" cy="388439"/>
           </a:xfrm>
           <a:prstGeom prst="straightConnector1">
             <a:avLst/>
@@ -5086,410 +6555,25 @@
       </p:cxnSp>
       <p:cxnSp>
         <p:nvCxnSpPr>
-          <p:cNvPr id="93" name="Straight Arrow Connector 92">
-            <a:extLst>
-              <a:ext uri="{FF2B5EF4-FFF2-40B4-BE49-F238E27FC236}">
-                <a16:creationId xmlns:a16="http://schemas.microsoft.com/office/drawing/2014/main" id="{E89E1BFB-D269-2640-B981-592E7C50079F}"/>
+          <p:cNvPr id="52" name="Straight Arrow Connector 51">
+            <a:extLst>
+              <a:ext uri="{FF2B5EF4-FFF2-40B4-BE49-F238E27FC236}">
+                <a16:creationId xmlns:a16="http://schemas.microsoft.com/office/drawing/2014/main" id="{DA3C3C0E-0722-D94F-93C1-C8405A44E605}"/>
               </a:ext>
             </a:extLst>
           </p:cNvPr>
           <p:cNvCxnSpPr>
-            <a:cxnSpLocks/>
-            <a:stCxn id="80" idx="2"/>
-            <a:endCxn id="65" idx="0"/>
+            <a:stCxn id="256" idx="2"/>
+            <a:endCxn id="221" idx="0"/>
           </p:cNvCxnSpPr>
           <p:nvPr/>
         </p:nvCxnSpPr>
         <p:spPr>
-          <a:xfrm flipH="1">
-            <a:off x="10704075" y="2710382"/>
-            <a:ext cx="6256" cy="471239"/>
+          <a:xfrm>
+            <a:off x="7202709" y="1313893"/>
+            <a:ext cx="9168" cy="661776"/>
           </a:xfrm>
           <a:prstGeom prst="straightConnector1">
-            <a:avLst/>
-          </a:prstGeom>
-          <a:ln>
-            <a:tailEnd type="triangle"/>
-          </a:ln>
-        </p:spPr>
-        <p:style>
-          <a:lnRef idx="1">
-            <a:schemeClr val="dk1"/>
-          </a:lnRef>
-          <a:fillRef idx="0">
-            <a:schemeClr val="dk1"/>
-          </a:fillRef>
-          <a:effectRef idx="0">
-            <a:schemeClr val="dk1"/>
-          </a:effectRef>
-          <a:fontRef idx="minor">
-            <a:schemeClr val="tx1"/>
-          </a:fontRef>
-        </p:style>
-      </p:cxnSp>
-      <p:cxnSp>
-        <p:nvCxnSpPr>
-          <p:cNvPr id="94" name="Elbow Connector 93">
-            <a:extLst>
-              <a:ext uri="{FF2B5EF4-FFF2-40B4-BE49-F238E27FC236}">
-                <a16:creationId xmlns:a16="http://schemas.microsoft.com/office/drawing/2014/main" id="{06C07A77-4102-3041-8990-6C357C4B1A37}"/>
-              </a:ext>
-            </a:extLst>
-          </p:cNvPr>
-          <p:cNvCxnSpPr>
-            <a:cxnSpLocks/>
-          </p:cNvCxnSpPr>
-          <p:nvPr/>
-        </p:nvCxnSpPr>
-        <p:spPr>
-          <a:xfrm rot="5400000">
-            <a:off x="6712294" y="650995"/>
-            <a:ext cx="635166" cy="1851136"/>
-          </a:xfrm>
-          <a:prstGeom prst="bentConnector3">
-            <a:avLst>
-              <a:gd name="adj1" fmla="val 50000"/>
-            </a:avLst>
-          </a:prstGeom>
-          <a:ln>
-            <a:tailEnd type="triangle"/>
-          </a:ln>
-        </p:spPr>
-        <p:style>
-          <a:lnRef idx="1">
-            <a:schemeClr val="dk1"/>
-          </a:lnRef>
-          <a:fillRef idx="0">
-            <a:schemeClr val="dk1"/>
-          </a:fillRef>
-          <a:effectRef idx="0">
-            <a:schemeClr val="dk1"/>
-          </a:effectRef>
-          <a:fontRef idx="minor">
-            <a:schemeClr val="tx1"/>
-          </a:fontRef>
-        </p:style>
-      </p:cxnSp>
-      <p:cxnSp>
-        <p:nvCxnSpPr>
-          <p:cNvPr id="95" name="Elbow Connector 94">
-            <a:extLst>
-              <a:ext uri="{FF2B5EF4-FFF2-40B4-BE49-F238E27FC236}">
-                <a16:creationId xmlns:a16="http://schemas.microsoft.com/office/drawing/2014/main" id="{E261BD2F-F8D3-BD4B-8051-957CCF673AE6}"/>
-              </a:ext>
-            </a:extLst>
-          </p:cNvPr>
-          <p:cNvCxnSpPr>
-            <a:cxnSpLocks/>
-          </p:cNvCxnSpPr>
-          <p:nvPr/>
-        </p:nvCxnSpPr>
-        <p:spPr>
-          <a:xfrm rot="16200000" flipH="1">
-            <a:off x="9404155" y="603189"/>
-            <a:ext cx="635166" cy="1946746"/>
-          </a:xfrm>
-          <a:prstGeom prst="bentConnector3">
-            <a:avLst>
-              <a:gd name="adj1" fmla="val 50000"/>
-            </a:avLst>
-          </a:prstGeom>
-          <a:ln>
-            <a:tailEnd type="triangle"/>
-          </a:ln>
-        </p:spPr>
-        <p:style>
-          <a:lnRef idx="1">
-            <a:schemeClr val="dk1"/>
-          </a:lnRef>
-          <a:fillRef idx="0">
-            <a:schemeClr val="dk1"/>
-          </a:fillRef>
-          <a:effectRef idx="0">
-            <a:schemeClr val="dk1"/>
-          </a:effectRef>
-          <a:fontRef idx="minor">
-            <a:schemeClr val="tx1"/>
-          </a:fontRef>
-        </p:style>
-      </p:cxnSp>
-      <p:sp>
-        <p:nvSpPr>
-          <p:cNvPr id="96" name="Rectangle 95">
-            <a:extLst>
-              <a:ext uri="{FF2B5EF4-FFF2-40B4-BE49-F238E27FC236}">
-                <a16:creationId xmlns:a16="http://schemas.microsoft.com/office/drawing/2014/main" id="{03566B0A-0300-914A-9C53-E68F0E6BE10D}"/>
-              </a:ext>
-            </a:extLst>
-          </p:cNvPr>
-          <p:cNvSpPr/>
-          <p:nvPr/>
-        </p:nvSpPr>
-        <p:spPr>
-          <a:xfrm>
-            <a:off x="6488320" y="6019301"/>
-            <a:ext cx="3662280" cy="103449"/>
-          </a:xfrm>
-          <a:prstGeom prst="rect">
-            <a:avLst/>
-          </a:prstGeom>
-        </p:spPr>
-        <p:style>
-          <a:lnRef idx="2">
-            <a:schemeClr val="dk1">
-              <a:shade val="50000"/>
-            </a:schemeClr>
-          </a:lnRef>
-          <a:fillRef idx="1">
-            <a:schemeClr val="dk1"/>
-          </a:fillRef>
-          <a:effectRef idx="0">
-            <a:schemeClr val="dk1"/>
-          </a:effectRef>
-          <a:fontRef idx="minor">
-            <a:schemeClr val="lt1"/>
-          </a:fontRef>
-        </p:style>
-        <p:txBody>
-          <a:bodyPr rtlCol="0" anchor="ctr"/>
-          <a:lstStyle/>
-          <a:p>
-            <a:pPr algn="ctr"/>
-            <a:endParaRPr lang="en-US" sz="1600"/>
-          </a:p>
-        </p:txBody>
-      </p:sp>
-      <p:cxnSp>
-        <p:nvCxnSpPr>
-          <p:cNvPr id="97" name="Elbow Connector 96">
-            <a:extLst>
-              <a:ext uri="{FF2B5EF4-FFF2-40B4-BE49-F238E27FC236}">
-                <a16:creationId xmlns:a16="http://schemas.microsoft.com/office/drawing/2014/main" id="{F0B5722E-6819-4B4E-B1DB-AEB9B8BFB48F}"/>
-              </a:ext>
-            </a:extLst>
-          </p:cNvPr>
-          <p:cNvCxnSpPr>
-            <a:cxnSpLocks/>
-          </p:cNvCxnSpPr>
-          <p:nvPr/>
-        </p:nvCxnSpPr>
-        <p:spPr>
-          <a:xfrm rot="16200000" flipH="1">
-            <a:off x="6766704" y="4840628"/>
-            <a:ext cx="493677" cy="1845833"/>
-          </a:xfrm>
-          <a:prstGeom prst="bentConnector3">
-            <a:avLst>
-              <a:gd name="adj1" fmla="val 50000"/>
-            </a:avLst>
-          </a:prstGeom>
-          <a:ln>
-            <a:tailEnd type="triangle"/>
-          </a:ln>
-        </p:spPr>
-        <p:style>
-          <a:lnRef idx="1">
-            <a:schemeClr val="dk1"/>
-          </a:lnRef>
-          <a:fillRef idx="0">
-            <a:schemeClr val="dk1"/>
-          </a:fillRef>
-          <a:effectRef idx="0">
-            <a:schemeClr val="dk1"/>
-          </a:effectRef>
-          <a:fontRef idx="minor">
-            <a:schemeClr val="tx1"/>
-          </a:fontRef>
-        </p:style>
-      </p:cxnSp>
-      <p:cxnSp>
-        <p:nvCxnSpPr>
-          <p:cNvPr id="98" name="Elbow Connector 97">
-            <a:extLst>
-              <a:ext uri="{FF2B5EF4-FFF2-40B4-BE49-F238E27FC236}">
-                <a16:creationId xmlns:a16="http://schemas.microsoft.com/office/drawing/2014/main" id="{30628781-F145-9F4E-A3BA-7D43D513838E}"/>
-              </a:ext>
-            </a:extLst>
-          </p:cNvPr>
-          <p:cNvCxnSpPr>
-            <a:cxnSpLocks/>
-          </p:cNvCxnSpPr>
-          <p:nvPr/>
-        </p:nvCxnSpPr>
-        <p:spPr>
-          <a:xfrm rot="5400000">
-            <a:off x="9482673" y="4794432"/>
-            <a:ext cx="479345" cy="1953991"/>
-          </a:xfrm>
-          <a:prstGeom prst="bentConnector3">
-            <a:avLst/>
-          </a:prstGeom>
-          <a:ln>
-            <a:tailEnd type="triangle"/>
-          </a:ln>
-        </p:spPr>
-        <p:style>
-          <a:lnRef idx="1">
-            <a:schemeClr val="dk1"/>
-          </a:lnRef>
-          <a:fillRef idx="0">
-            <a:schemeClr val="dk1"/>
-          </a:fillRef>
-          <a:effectRef idx="0">
-            <a:schemeClr val="dk1"/>
-          </a:effectRef>
-          <a:fontRef idx="minor">
-            <a:schemeClr val="tx1"/>
-          </a:fontRef>
-        </p:style>
-      </p:cxnSp>
-      <p:cxnSp>
-        <p:nvCxnSpPr>
-          <p:cNvPr id="99" name="Elbow Connector 98">
-            <a:extLst>
-              <a:ext uri="{FF2B5EF4-FFF2-40B4-BE49-F238E27FC236}">
-                <a16:creationId xmlns:a16="http://schemas.microsoft.com/office/drawing/2014/main" id="{41DE1F7E-F430-C24F-9816-3E59B2BD6567}"/>
-              </a:ext>
-            </a:extLst>
-          </p:cNvPr>
-          <p:cNvCxnSpPr>
-            <a:stCxn id="58" idx="2"/>
-            <a:endCxn id="63" idx="1"/>
-          </p:cNvCxnSpPr>
-          <p:nvPr/>
-        </p:nvCxnSpPr>
-        <p:spPr>
-          <a:xfrm rot="16200000" flipH="1">
-            <a:off x="5029239" y="4466791"/>
-            <a:ext cx="667324" cy="1026386"/>
-          </a:xfrm>
-          <a:prstGeom prst="bentConnector2">
-            <a:avLst/>
-          </a:prstGeom>
-          <a:ln>
-            <a:tailEnd type="triangle"/>
-          </a:ln>
-        </p:spPr>
-        <p:style>
-          <a:lnRef idx="1">
-            <a:schemeClr val="dk1"/>
-          </a:lnRef>
-          <a:fillRef idx="0">
-            <a:schemeClr val="dk1"/>
-          </a:fillRef>
-          <a:effectRef idx="0">
-            <a:schemeClr val="dk1"/>
-          </a:effectRef>
-          <a:fontRef idx="minor">
-            <a:schemeClr val="tx1"/>
-          </a:fontRef>
-        </p:style>
-      </p:cxnSp>
-      <p:cxnSp>
-        <p:nvCxnSpPr>
-          <p:cNvPr id="100" name="Elbow Connector 99">
-            <a:extLst>
-              <a:ext uri="{FF2B5EF4-FFF2-40B4-BE49-F238E27FC236}">
-                <a16:creationId xmlns:a16="http://schemas.microsoft.com/office/drawing/2014/main" id="{E59DC975-76A5-704A-A18E-BBEB2D570B41}"/>
-              </a:ext>
-            </a:extLst>
-          </p:cNvPr>
-          <p:cNvCxnSpPr>
-            <a:stCxn id="62" idx="2"/>
-            <a:endCxn id="63" idx="3"/>
-          </p:cNvCxnSpPr>
-          <p:nvPr/>
-        </p:nvCxnSpPr>
-        <p:spPr>
-          <a:xfrm rot="5400000">
-            <a:off x="6454190" y="4488042"/>
-            <a:ext cx="667324" cy="983884"/>
-          </a:xfrm>
-          <a:prstGeom prst="bentConnector2">
-            <a:avLst/>
-          </a:prstGeom>
-          <a:ln>
-            <a:tailEnd type="triangle"/>
-          </a:ln>
-        </p:spPr>
-        <p:style>
-          <a:lnRef idx="1">
-            <a:schemeClr val="dk1"/>
-          </a:lnRef>
-          <a:fillRef idx="0">
-            <a:schemeClr val="dk1"/>
-          </a:fillRef>
-          <a:effectRef idx="0">
-            <a:schemeClr val="dk1"/>
-          </a:effectRef>
-          <a:fontRef idx="minor">
-            <a:schemeClr val="tx1"/>
-          </a:fontRef>
-        </p:style>
-      </p:cxnSp>
-      <p:cxnSp>
-        <p:nvCxnSpPr>
-          <p:cNvPr id="101" name="Elbow Connector 100">
-            <a:extLst>
-              <a:ext uri="{FF2B5EF4-FFF2-40B4-BE49-F238E27FC236}">
-                <a16:creationId xmlns:a16="http://schemas.microsoft.com/office/drawing/2014/main" id="{28F0DCEE-3279-D445-B670-B8DCCDAFCE23}"/>
-              </a:ext>
-            </a:extLst>
-          </p:cNvPr>
-          <p:cNvCxnSpPr>
-            <a:stCxn id="87" idx="2"/>
-            <a:endCxn id="91" idx="1"/>
-          </p:cNvCxnSpPr>
-          <p:nvPr/>
-        </p:nvCxnSpPr>
-        <p:spPr>
-          <a:xfrm rot="16200000" flipH="1">
-            <a:off x="9693288" y="4517286"/>
-            <a:ext cx="551343" cy="1072908"/>
-          </a:xfrm>
-          <a:prstGeom prst="bentConnector2">
-            <a:avLst/>
-          </a:prstGeom>
-          <a:ln>
-            <a:tailEnd type="triangle"/>
-          </a:ln>
-        </p:spPr>
-        <p:style>
-          <a:lnRef idx="1">
-            <a:schemeClr val="dk1"/>
-          </a:lnRef>
-          <a:fillRef idx="0">
-            <a:schemeClr val="dk1"/>
-          </a:fillRef>
-          <a:effectRef idx="0">
-            <a:schemeClr val="dk1"/>
-          </a:effectRef>
-          <a:fontRef idx="minor">
-            <a:schemeClr val="tx1"/>
-          </a:fontRef>
-        </p:style>
-      </p:cxnSp>
-      <p:cxnSp>
-        <p:nvCxnSpPr>
-          <p:cNvPr id="102" name="Elbow Connector 101">
-            <a:extLst>
-              <a:ext uri="{FF2B5EF4-FFF2-40B4-BE49-F238E27FC236}">
-                <a16:creationId xmlns:a16="http://schemas.microsoft.com/office/drawing/2014/main" id="{ABAC6777-E652-5345-8CE9-A4786F59B3E8}"/>
-              </a:ext>
-            </a:extLst>
-          </p:cNvPr>
-          <p:cNvCxnSpPr>
-            <a:stCxn id="90" idx="2"/>
-            <a:endCxn id="91" idx="3"/>
-          </p:cNvCxnSpPr>
-          <p:nvPr/>
-        </p:nvCxnSpPr>
-        <p:spPr>
-          <a:xfrm rot="5400000">
-            <a:off x="11396437" y="4569248"/>
-            <a:ext cx="288957" cy="1231371"/>
-          </a:xfrm>
-          <a:prstGeom prst="bentConnector2">
             <a:avLst/>
           </a:prstGeom>
           <a:ln>

--- a/docs/diagrams/SortActivityDiagram.pptx
+++ b/docs/diagrams/SortActivityDiagram.pptx
@@ -3825,8 +3825,8 @@
         </p:nvCxnSpPr>
         <p:spPr>
           <a:xfrm>
-            <a:off x="16595293" y="6020290"/>
-            <a:ext cx="8510" cy="540478"/>
+            <a:off x="16332580" y="5446861"/>
+            <a:ext cx="0" cy="557403"/>
           </a:xfrm>
           <a:prstGeom prst="straightConnector1">
             <a:avLst/>
@@ -3864,7 +3864,7 @@
         </p:nvGrpSpPr>
         <p:grpSpPr>
           <a:xfrm>
-            <a:off x="16500907" y="6560768"/>
+            <a:off x="16229684" y="6004264"/>
             <a:ext cx="205792" cy="205792"/>
             <a:chOff x="8040730" y="5082186"/>
             <a:chExt cx="235669" cy="235669"/>
@@ -3990,8 +3990,8 @@
         </p:nvCxnSpPr>
         <p:spPr>
           <a:xfrm rot="5400000">
-            <a:off x="17095554" y="4127397"/>
-            <a:ext cx="1392633" cy="1973337"/>
+            <a:off x="16871530" y="4344942"/>
+            <a:ext cx="562969" cy="1221052"/>
           </a:xfrm>
           <a:prstGeom prst="bentConnector2">
             <a:avLst/>
@@ -4033,8 +4033,8 @@
         </p:nvCxnSpPr>
         <p:spPr>
           <a:xfrm rot="16200000" flipH="1">
-            <a:off x="14448297" y="3873293"/>
-            <a:ext cx="1595677" cy="2278500"/>
+            <a:off x="15081283" y="4195564"/>
+            <a:ext cx="888544" cy="1194234"/>
           </a:xfrm>
           <a:prstGeom prst="bentConnector2">
             <a:avLst/>
@@ -5673,8 +5673,8 @@
         </p:nvSpPr>
         <p:spPr>
           <a:xfrm>
-            <a:off x="7271836" y="1336549"/>
-            <a:ext cx="2214358" cy="584775"/>
+            <a:off x="7271835" y="1336550"/>
+            <a:ext cx="2684465" cy="584775"/>
           </a:xfrm>
           <a:prstGeom prst="rect">
             <a:avLst/>
@@ -6075,7 +6075,7 @@
         </p:nvSpPr>
         <p:spPr>
           <a:xfrm>
-            <a:off x="17557486" y="3303540"/>
+            <a:off x="16542488" y="3559775"/>
             <a:ext cx="2442104" cy="1114209"/>
           </a:xfrm>
           <a:prstGeom prst="roundRect">
@@ -6169,7 +6169,7 @@
         <p:spPr>
           <a:xfrm>
             <a:off x="16500907" y="2883096"/>
-            <a:ext cx="2277631" cy="420444"/>
+            <a:ext cx="1262633" cy="676679"/>
           </a:xfrm>
           <a:prstGeom prst="bentConnector2">
             <a:avLst/>
@@ -6286,7 +6286,7 @@
         </p:nvSpPr>
         <p:spPr>
           <a:xfrm>
-            <a:off x="13096182" y="3429000"/>
+            <a:off x="13917735" y="3562704"/>
             <a:ext cx="2021405" cy="785705"/>
           </a:xfrm>
           <a:prstGeom prst="roundRect">
@@ -6342,8 +6342,8 @@
         </p:nvCxnSpPr>
         <p:spPr>
           <a:xfrm rot="10800000" flipV="1">
-            <a:off x="14106885" y="2883096"/>
-            <a:ext cx="1974206" cy="545904"/>
+            <a:off x="14928439" y="2883096"/>
+            <a:ext cx="1152653" cy="679608"/>
           </a:xfrm>
           <a:prstGeom prst="bentConnector2">
             <a:avLst/>
@@ -6476,7 +6476,7 @@
         </p:nvSpPr>
         <p:spPr>
           <a:xfrm>
-            <a:off x="16385385" y="5600474"/>
+            <a:off x="16122672" y="5027045"/>
             <a:ext cx="419816" cy="419816"/>
           </a:xfrm>
           <a:prstGeom prst="diamond">

--- a/docs/diagrams/SortActivityDiagram.pptx
+++ b/docs/diagrams/SortActivityDiagram.pptx
@@ -3347,6 +3347,47 @@
           <a:chExt cx="0" cy="0"/>
         </a:xfrm>
       </p:grpSpPr>
+      <p:cxnSp>
+        <p:nvCxnSpPr>
+          <p:cNvPr id="243" name="Elbow Connector 242">
+            <a:extLst>
+              <a:ext uri="{FF2B5EF4-FFF2-40B4-BE49-F238E27FC236}">
+                <a16:creationId xmlns:a16="http://schemas.microsoft.com/office/drawing/2014/main" id="{75A790B5-8615-5743-BC47-8643CE5EE794}"/>
+              </a:ext>
+            </a:extLst>
+          </p:cNvPr>
+          <p:cNvCxnSpPr>
+            <a:cxnSpLocks/>
+          </p:cNvCxnSpPr>
+          <p:nvPr/>
+        </p:nvCxnSpPr>
+        <p:spPr>
+          <a:xfrm rot="5400000">
+            <a:off x="8199889" y="4924427"/>
+            <a:ext cx="479345" cy="1953991"/>
+          </a:xfrm>
+          <a:prstGeom prst="bentConnector3">
+            <a:avLst/>
+          </a:prstGeom>
+          <a:ln>
+            <a:tailEnd type="triangle"/>
+          </a:ln>
+        </p:spPr>
+        <p:style>
+          <a:lnRef idx="1">
+            <a:schemeClr val="dk1"/>
+          </a:lnRef>
+          <a:fillRef idx="0">
+            <a:schemeClr val="dk1"/>
+          </a:fillRef>
+          <a:effectRef idx="0">
+            <a:schemeClr val="dk1"/>
+          </a:effectRef>
+          <a:fontRef idx="minor">
+            <a:schemeClr val="tx1"/>
+          </a:fontRef>
+        </p:style>
+      </p:cxnSp>
       <p:sp>
         <p:nvSpPr>
           <p:cNvPr id="32" name="Oval 31">
@@ -3548,7 +3589,7 @@
         </p:nvSpPr>
         <p:spPr>
           <a:xfrm>
-            <a:off x="3385842" y="-104352"/>
+            <a:off x="3336799" y="1459248"/>
             <a:ext cx="1073048" cy="338554"/>
           </a:xfrm>
           <a:prstGeom prst="rect">
@@ -3726,7 +3767,7 @@
         </p:nvSpPr>
         <p:spPr>
           <a:xfrm>
-            <a:off x="3560872" y="-1061260"/>
+            <a:off x="1917317" y="1393322"/>
             <a:ext cx="1723370" cy="882495"/>
           </a:xfrm>
           <a:prstGeom prst="roundRect">
@@ -3825,7 +3866,7 @@
         </p:nvCxnSpPr>
         <p:spPr>
           <a:xfrm>
-            <a:off x="16332580" y="5446861"/>
+            <a:off x="16185619" y="5446861"/>
             <a:ext cx="0" cy="557403"/>
           </a:xfrm>
           <a:prstGeom prst="straightConnector1">
@@ -3864,7 +3905,7 @@
         </p:nvGrpSpPr>
         <p:grpSpPr>
           <a:xfrm>
-            <a:off x="16229684" y="6004264"/>
+            <a:off x="16082723" y="6004264"/>
             <a:ext cx="205792" cy="205792"/>
             <a:chOff x="8040730" y="5082186"/>
             <a:chExt cx="235669" cy="235669"/>
@@ -3990,7 +4031,7 @@
         </p:nvCxnSpPr>
         <p:spPr>
           <a:xfrm rot="5400000">
-            <a:off x="16871530" y="4344942"/>
+            <a:off x="16724569" y="4344942"/>
             <a:ext cx="562969" cy="1221052"/>
           </a:xfrm>
           <a:prstGeom prst="bentConnector2">
@@ -4033,7 +4074,7 @@
         </p:nvCxnSpPr>
         <p:spPr>
           <a:xfrm rot="16200000" flipH="1">
-            <a:off x="15081283" y="4195564"/>
+            <a:off x="14934322" y="4195564"/>
             <a:ext cx="888544" cy="1194234"/>
           </a:xfrm>
           <a:prstGeom prst="bentConnector2">
@@ -4161,7 +4202,7 @@
         </p:nvSpPr>
         <p:spPr>
           <a:xfrm>
-            <a:off x="4850608" y="3860645"/>
+            <a:off x="4850608" y="3748351"/>
             <a:ext cx="419816" cy="419816"/>
           </a:xfrm>
           <a:prstGeom prst="diamond">
@@ -4210,7 +4251,7 @@
         </p:nvSpPr>
         <p:spPr>
           <a:xfrm>
-            <a:off x="4047135" y="2774070"/>
+            <a:off x="4047135" y="2661776"/>
             <a:ext cx="2021405" cy="785705"/>
           </a:xfrm>
           <a:prstGeom prst="roundRect">
@@ -4266,7 +4307,7 @@
         </p:nvCxnSpPr>
         <p:spPr>
           <a:xfrm rot="10800000" flipV="1">
-            <a:off x="3954916" y="4070553"/>
+            <a:off x="3954916" y="3958259"/>
             <a:ext cx="895692" cy="320780"/>
           </a:xfrm>
           <a:prstGeom prst="bentConnector2">
@@ -4309,7 +4350,7 @@
         </p:nvCxnSpPr>
         <p:spPr>
           <a:xfrm>
-            <a:off x="5270424" y="4070553"/>
+            <a:off x="5270424" y="3958259"/>
             <a:ext cx="854601" cy="320899"/>
           </a:xfrm>
           <a:prstGeom prst="bentConnector2">
@@ -4348,7 +4389,7 @@
         </p:nvSpPr>
         <p:spPr>
           <a:xfrm>
-            <a:off x="5404259" y="3646370"/>
+            <a:off x="5404259" y="3534076"/>
             <a:ext cx="882538" cy="338554"/>
           </a:xfrm>
           <a:prstGeom prst="rect">
@@ -4384,7 +4425,7 @@
         </p:nvSpPr>
         <p:spPr>
           <a:xfrm>
-            <a:off x="4864779" y="5346027"/>
+            <a:off x="4864779" y="5233733"/>
             <a:ext cx="419816" cy="419816"/>
           </a:xfrm>
           <a:prstGeom prst="diamond">
@@ -4433,7 +4474,7 @@
         </p:nvSpPr>
         <p:spPr>
           <a:xfrm>
-            <a:off x="1983147" y="3630566"/>
+            <a:off x="1983147" y="3518272"/>
             <a:ext cx="2959173" cy="345246"/>
           </a:xfrm>
           <a:prstGeom prst="rect">
@@ -4470,7 +4511,7 @@
         </p:nvSpPr>
         <p:spPr>
           <a:xfrm>
-            <a:off x="9184087" y="3860645"/>
+            <a:off x="9184087" y="3812519"/>
             <a:ext cx="419816" cy="419816"/>
           </a:xfrm>
           <a:prstGeom prst="diamond">
@@ -4519,7 +4560,7 @@
         </p:nvSpPr>
         <p:spPr>
           <a:xfrm>
-            <a:off x="8386021" y="2716890"/>
+            <a:off x="8386021" y="2668764"/>
             <a:ext cx="2021405" cy="809632"/>
           </a:xfrm>
           <a:prstGeom prst="roundRect">
@@ -4575,7 +4616,7 @@
         </p:nvCxnSpPr>
         <p:spPr>
           <a:xfrm rot="10800000" flipV="1">
-            <a:off x="8360073" y="4070553"/>
+            <a:off x="8360073" y="4022427"/>
             <a:ext cx="824015" cy="322238"/>
           </a:xfrm>
           <a:prstGeom prst="bentConnector2">
@@ -4614,7 +4655,7 @@
         </p:nvSpPr>
         <p:spPr>
           <a:xfrm>
-            <a:off x="6997413" y="3658078"/>
+            <a:off x="6997413" y="3545784"/>
             <a:ext cx="2225216" cy="338554"/>
           </a:xfrm>
           <a:prstGeom prst="rect">
@@ -4655,7 +4696,7 @@
         </p:nvCxnSpPr>
         <p:spPr>
           <a:xfrm>
-            <a:off x="9603903" y="4070553"/>
+            <a:off x="9603903" y="4022427"/>
             <a:ext cx="882178" cy="320899"/>
           </a:xfrm>
           <a:prstGeom prst="bentConnector2">
@@ -4694,7 +4735,7 @@
         </p:nvSpPr>
         <p:spPr>
           <a:xfrm>
-            <a:off x="9612252" y="3653063"/>
+            <a:off x="9612252" y="3604937"/>
             <a:ext cx="1603945" cy="338554"/>
           </a:xfrm>
           <a:prstGeom prst="rect">
@@ -4716,6 +4757,49 @@
           </a:p>
         </p:txBody>
       </p:sp>
+      <p:cxnSp>
+        <p:nvCxnSpPr>
+          <p:cNvPr id="237" name="Straight Arrow Connector 236">
+            <a:extLst>
+              <a:ext uri="{FF2B5EF4-FFF2-40B4-BE49-F238E27FC236}">
+                <a16:creationId xmlns:a16="http://schemas.microsoft.com/office/drawing/2014/main" id="{B2780D7A-A38B-C34C-9DF9-48DBD784F17C}"/>
+              </a:ext>
+            </a:extLst>
+          </p:cNvPr>
+          <p:cNvCxnSpPr>
+            <a:cxnSpLocks/>
+            <a:stCxn id="223" idx="2"/>
+            <a:endCxn id="222" idx="0"/>
+          </p:cNvCxnSpPr>
+          <p:nvPr/>
+        </p:nvCxnSpPr>
+        <p:spPr>
+          <a:xfrm>
+            <a:off x="5057838" y="3447481"/>
+            <a:ext cx="2678" cy="300870"/>
+          </a:xfrm>
+          <a:prstGeom prst="straightConnector1">
+            <a:avLst/>
+          </a:prstGeom>
+          <a:ln>
+            <a:tailEnd type="triangle"/>
+          </a:ln>
+        </p:spPr>
+        <p:style>
+          <a:lnRef idx="1">
+            <a:schemeClr val="dk1"/>
+          </a:lnRef>
+          <a:fillRef idx="0">
+            <a:schemeClr val="dk1"/>
+          </a:fillRef>
+          <a:effectRef idx="0">
+            <a:schemeClr val="dk1"/>
+          </a:effectRef>
+          <a:fontRef idx="minor">
+            <a:schemeClr val="tx1"/>
+          </a:fontRef>
+        </p:style>
+      </p:cxnSp>
       <p:sp>
         <p:nvSpPr>
           <p:cNvPr id="236" name="Diamond 235">
@@ -4730,7 +4814,7 @@
         </p:nvSpPr>
         <p:spPr>
           <a:xfrm>
-            <a:off x="9222629" y="5361793"/>
+            <a:off x="9222629" y="5313667"/>
             <a:ext cx="419816" cy="419816"/>
           </a:xfrm>
           <a:prstGeom prst="diamond">
@@ -4767,49 +4851,6 @@
       </p:sp>
       <p:cxnSp>
         <p:nvCxnSpPr>
-          <p:cNvPr id="237" name="Straight Arrow Connector 236">
-            <a:extLst>
-              <a:ext uri="{FF2B5EF4-FFF2-40B4-BE49-F238E27FC236}">
-                <a16:creationId xmlns:a16="http://schemas.microsoft.com/office/drawing/2014/main" id="{B2780D7A-A38B-C34C-9DF9-48DBD784F17C}"/>
-              </a:ext>
-            </a:extLst>
-          </p:cNvPr>
-          <p:cNvCxnSpPr>
-            <a:cxnSpLocks/>
-            <a:stCxn id="223" idx="2"/>
-            <a:endCxn id="222" idx="0"/>
-          </p:cNvCxnSpPr>
-          <p:nvPr/>
-        </p:nvCxnSpPr>
-        <p:spPr>
-          <a:xfrm>
-            <a:off x="5057838" y="3559775"/>
-            <a:ext cx="2678" cy="300870"/>
-          </a:xfrm>
-          <a:prstGeom prst="straightConnector1">
-            <a:avLst/>
-          </a:prstGeom>
-          <a:ln>
-            <a:tailEnd type="triangle"/>
-          </a:ln>
-        </p:spPr>
-        <p:style>
-          <a:lnRef idx="1">
-            <a:schemeClr val="dk1"/>
-          </a:lnRef>
-          <a:fillRef idx="0">
-            <a:schemeClr val="dk1"/>
-          </a:fillRef>
-          <a:effectRef idx="0">
-            <a:schemeClr val="dk1"/>
-          </a:effectRef>
-          <a:fontRef idx="minor">
-            <a:schemeClr val="tx1"/>
-          </a:fontRef>
-        </p:style>
-      </p:cxnSp>
-      <p:cxnSp>
-        <p:nvCxnSpPr>
           <p:cNvPr id="238" name="Straight Arrow Connector 237">
             <a:extLst>
               <a:ext uri="{FF2B5EF4-FFF2-40B4-BE49-F238E27FC236}">
@@ -4826,7 +4867,7 @@
         </p:nvCxnSpPr>
         <p:spPr>
           <a:xfrm flipH="1">
-            <a:off x="9393995" y="3526522"/>
+            <a:off x="9393995" y="3478396"/>
             <a:ext cx="2729" cy="334123"/>
           </a:xfrm>
           <a:prstGeom prst="straightConnector1">
@@ -4867,8 +4908,8 @@
         </p:nvCxnSpPr>
         <p:spPr>
           <a:xfrm rot="5400000">
-            <a:off x="5541910" y="1501475"/>
-            <a:ext cx="698683" cy="1851136"/>
+            <a:off x="5602539" y="1437307"/>
+            <a:ext cx="577424" cy="1851136"/>
           </a:xfrm>
           <a:prstGeom prst="bentConnector3">
             <a:avLst>
@@ -4910,8 +4951,8 @@
         </p:nvCxnSpPr>
         <p:spPr>
           <a:xfrm rot="16200000" flipH="1">
-            <a:off x="8265529" y="1453669"/>
-            <a:ext cx="635166" cy="1946746"/>
+            <a:off x="8294400" y="1405543"/>
+            <a:ext cx="577424" cy="1946746"/>
           </a:xfrm>
           <a:prstGeom prst="bentConnector3">
             <a:avLst>
@@ -4951,7 +4992,7 @@
         </p:nvSpPr>
         <p:spPr>
           <a:xfrm>
-            <a:off x="5304587" y="6230456"/>
+            <a:off x="5304587" y="6118162"/>
             <a:ext cx="3662280" cy="103449"/>
           </a:xfrm>
           <a:prstGeom prst="rect">
@@ -4999,54 +5040,13 @@
         </p:nvCxnSpPr>
         <p:spPr>
           <a:xfrm rot="16200000" flipH="1">
-            <a:off x="5655374" y="5082917"/>
+            <a:off x="5741099" y="4970623"/>
             <a:ext cx="493677" cy="1845833"/>
           </a:xfrm>
           <a:prstGeom prst="bentConnector3">
             <a:avLst>
               <a:gd name="adj1" fmla="val 50000"/>
             </a:avLst>
-          </a:prstGeom>
-          <a:ln>
-            <a:tailEnd type="triangle"/>
-          </a:ln>
-        </p:spPr>
-        <p:style>
-          <a:lnRef idx="1">
-            <a:schemeClr val="dk1"/>
-          </a:lnRef>
-          <a:fillRef idx="0">
-            <a:schemeClr val="dk1"/>
-          </a:fillRef>
-          <a:effectRef idx="0">
-            <a:schemeClr val="dk1"/>
-          </a:effectRef>
-          <a:fontRef idx="minor">
-            <a:schemeClr val="tx1"/>
-          </a:fontRef>
-        </p:style>
-      </p:cxnSp>
-      <p:cxnSp>
-        <p:nvCxnSpPr>
-          <p:cNvPr id="243" name="Elbow Connector 242">
-            <a:extLst>
-              <a:ext uri="{FF2B5EF4-FFF2-40B4-BE49-F238E27FC236}">
-                <a16:creationId xmlns:a16="http://schemas.microsoft.com/office/drawing/2014/main" id="{75A790B5-8615-5743-BC47-8643CE5EE794}"/>
-              </a:ext>
-            </a:extLst>
-          </p:cNvPr>
-          <p:cNvCxnSpPr>
-            <a:cxnSpLocks/>
-          </p:cNvCxnSpPr>
-          <p:nvPr/>
-        </p:nvCxnSpPr>
-        <p:spPr>
-          <a:xfrm rot="5400000">
-            <a:off x="8199889" y="5036721"/>
-            <a:ext cx="479345" cy="1953991"/>
-          </a:xfrm>
-          <a:prstGeom prst="bentConnector3">
-            <a:avLst/>
           </a:prstGeom>
           <a:ln>
             <a:tailEnd type="triangle"/>
@@ -5085,7 +5085,7 @@
         </p:nvCxnSpPr>
         <p:spPr>
           <a:xfrm rot="16200000" flipH="1">
-            <a:off x="4220399" y="4911554"/>
+            <a:off x="4220399" y="4799260"/>
             <a:ext cx="378897" cy="909863"/>
           </a:xfrm>
           <a:prstGeom prst="bentConnector2">
@@ -5128,7 +5128,7 @@
         </p:nvCxnSpPr>
         <p:spPr>
           <a:xfrm rot="5400000">
-            <a:off x="5515421" y="4946331"/>
+            <a:off x="5515421" y="4834037"/>
             <a:ext cx="378778" cy="840430"/>
           </a:xfrm>
           <a:prstGeom prst="bentConnector2">
@@ -5171,7 +5171,7 @@
         </p:nvCxnSpPr>
         <p:spPr>
           <a:xfrm rot="16200000" flipH="1">
-            <a:off x="8594748" y="4943819"/>
+            <a:off x="8594748" y="4895693"/>
             <a:ext cx="393205" cy="862557"/>
           </a:xfrm>
           <a:prstGeom prst="bentConnector2">
@@ -5214,7 +5214,7 @@
         </p:nvCxnSpPr>
         <p:spPr>
           <a:xfrm rot="5400000">
-            <a:off x="9866991" y="4952611"/>
+            <a:off x="9866991" y="4904485"/>
             <a:ext cx="394544" cy="843636"/>
           </a:xfrm>
           <a:prstGeom prst="bentConnector2">
@@ -5253,7 +5253,7 @@
         </p:nvSpPr>
         <p:spPr>
           <a:xfrm>
-            <a:off x="2944213" y="4391333"/>
+            <a:off x="2944213" y="4279039"/>
             <a:ext cx="2021405" cy="785705"/>
           </a:xfrm>
           <a:prstGeom prst="roundRect">
@@ -5305,7 +5305,7 @@
         </p:nvSpPr>
         <p:spPr>
           <a:xfrm>
-            <a:off x="5114322" y="4391452"/>
+            <a:off x="5114322" y="4279158"/>
             <a:ext cx="2021405" cy="785705"/>
           </a:xfrm>
           <a:prstGeom prst="roundRect">
@@ -5357,7 +5357,7 @@
         </p:nvSpPr>
         <p:spPr>
           <a:xfrm>
-            <a:off x="7349369" y="4392791"/>
+            <a:off x="7349369" y="4344665"/>
             <a:ext cx="2021405" cy="785705"/>
           </a:xfrm>
           <a:prstGeom prst="roundRect">
@@ -5409,7 +5409,7 @@
         </p:nvSpPr>
         <p:spPr>
           <a:xfrm>
-            <a:off x="9563164" y="4391452"/>
+            <a:off x="9563164" y="4343326"/>
             <a:ext cx="1845833" cy="785705"/>
           </a:xfrm>
           <a:prstGeom prst="roundRect">
@@ -5469,7 +5469,7 @@
         </p:nvSpPr>
         <p:spPr>
           <a:xfrm>
-            <a:off x="12372325" y="1014837"/>
+            <a:off x="12274351" y="1031166"/>
             <a:ext cx="2360048" cy="892499"/>
           </a:xfrm>
           <a:prstGeom prst="roundRect">
@@ -5942,12 +5942,12 @@
         </p:nvCxnSpPr>
         <p:spPr>
           <a:xfrm rot="5400000" flipH="1" flipV="1">
-            <a:off x="7074479" y="1748917"/>
-            <a:ext cx="4646236" cy="4523740"/>
+            <a:off x="7130626" y="1692770"/>
+            <a:ext cx="4533942" cy="4523740"/>
           </a:xfrm>
           <a:prstGeom prst="bentConnector3">
             <a:avLst>
-              <a:gd name="adj1" fmla="val -4920"/>
+              <a:gd name="adj1" fmla="val -5042"/>
             </a:avLst>
           </a:prstGeom>
           <a:ln>
@@ -5987,8 +5987,8 @@
         </p:nvCxnSpPr>
         <p:spPr>
           <a:xfrm flipV="1">
-            <a:off x="11869375" y="1461087"/>
-            <a:ext cx="502950" cy="16674"/>
+            <a:off x="11869375" y="1477416"/>
+            <a:ext cx="404976" cy="345"/>
           </a:xfrm>
           <a:prstGeom prst="straightConnector1">
             <a:avLst/>
@@ -6026,7 +6026,7 @@
         </p:nvSpPr>
         <p:spPr>
           <a:xfrm>
-            <a:off x="16081091" y="2673188"/>
+            <a:off x="15934130" y="2673188"/>
             <a:ext cx="419816" cy="419816"/>
           </a:xfrm>
           <a:prstGeom prst="diamond">
@@ -6075,7 +6075,7 @@
         </p:nvSpPr>
         <p:spPr>
           <a:xfrm>
-            <a:off x="16542488" y="3559775"/>
+            <a:off x="16395527" y="3559775"/>
             <a:ext cx="2442104" cy="1114209"/>
           </a:xfrm>
           <a:prstGeom prst="roundRect">
@@ -6127,7 +6127,7 @@
         </p:nvSpPr>
         <p:spPr>
           <a:xfrm>
-            <a:off x="15978857" y="2447084"/>
+            <a:off x="15831896" y="2447084"/>
             <a:ext cx="2225216" cy="338554"/>
           </a:xfrm>
           <a:prstGeom prst="rect">
@@ -6168,7 +6168,7 @@
         </p:nvCxnSpPr>
         <p:spPr>
           <a:xfrm>
-            <a:off x="16500907" y="2883096"/>
+            <a:off x="16353946" y="2883096"/>
             <a:ext cx="1262633" cy="676679"/>
           </a:xfrm>
           <a:prstGeom prst="bentConnector2">
@@ -6207,7 +6207,7 @@
         </p:nvSpPr>
         <p:spPr>
           <a:xfrm>
-            <a:off x="15051212" y="2478272"/>
+            <a:off x="14904251" y="2478272"/>
             <a:ext cx="1603945" cy="338554"/>
           </a:xfrm>
           <a:prstGeom prst="rect">
@@ -6240,14 +6240,13 @@
           </p:cNvPr>
           <p:cNvCxnSpPr>
             <a:cxnSpLocks/>
-            <a:stCxn id="252" idx="3"/>
             <a:endCxn id="335" idx="1"/>
           </p:cNvCxnSpPr>
           <p:nvPr/>
         </p:nvCxnSpPr>
         <p:spPr>
           <a:xfrm>
-            <a:off x="14732373" y="1461087"/>
+            <a:off x="14585412" y="1461087"/>
             <a:ext cx="534996" cy="16675"/>
           </a:xfrm>
           <a:prstGeom prst="straightConnector1">
@@ -6286,7 +6285,7 @@
         </p:nvSpPr>
         <p:spPr>
           <a:xfrm>
-            <a:off x="13917735" y="3562704"/>
+            <a:off x="13770774" y="3562704"/>
             <a:ext cx="2021405" cy="785705"/>
           </a:xfrm>
           <a:prstGeom prst="roundRect">
@@ -6342,7 +6341,7 @@
         </p:nvCxnSpPr>
         <p:spPr>
           <a:xfrm rot="10800000" flipV="1">
-            <a:off x="14928439" y="2883096"/>
+            <a:off x="14781478" y="2883096"/>
             <a:ext cx="1152653" cy="679608"/>
           </a:xfrm>
           <a:prstGeom prst="bentConnector2">
@@ -6381,7 +6380,7 @@
         </p:nvSpPr>
         <p:spPr>
           <a:xfrm>
-            <a:off x="15267369" y="1084909"/>
+            <a:off x="15120408" y="1084909"/>
             <a:ext cx="2021405" cy="785705"/>
           </a:xfrm>
           <a:prstGeom prst="roundRect">
@@ -6437,7 +6436,7 @@
         </p:nvCxnSpPr>
         <p:spPr>
           <a:xfrm>
-            <a:off x="16278072" y="1870614"/>
+            <a:off x="16131111" y="1870614"/>
             <a:ext cx="12927" cy="802574"/>
           </a:xfrm>
           <a:prstGeom prst="straightConnector1">
@@ -6476,7 +6475,7 @@
         </p:nvSpPr>
         <p:spPr>
           <a:xfrm>
-            <a:off x="16122672" y="5027045"/>
+            <a:off x="15975711" y="5027045"/>
             <a:ext cx="419816" cy="419816"/>
           </a:xfrm>
           <a:prstGeom prst="diamond">
@@ -6513,23 +6512,23 @@
       </p:sp>
       <p:cxnSp>
         <p:nvCxnSpPr>
-          <p:cNvPr id="16" name="Straight Arrow Connector 15">
-            <a:extLst>
-              <a:ext uri="{FF2B5EF4-FFF2-40B4-BE49-F238E27FC236}">
-                <a16:creationId xmlns:a16="http://schemas.microsoft.com/office/drawing/2014/main" id="{3991AD21-DC58-254F-8112-5F131D79F54F}"/>
+          <p:cNvPr id="52" name="Straight Arrow Connector 51">
+            <a:extLst>
+              <a:ext uri="{FF2B5EF4-FFF2-40B4-BE49-F238E27FC236}">
+                <a16:creationId xmlns:a16="http://schemas.microsoft.com/office/drawing/2014/main" id="{DA3C3C0E-0722-D94F-93C1-C8405A44E605}"/>
               </a:ext>
             </a:extLst>
           </p:cNvPr>
           <p:cNvCxnSpPr>
-            <a:stCxn id="39" idx="0"/>
-            <a:endCxn id="40" idx="2"/>
+            <a:stCxn id="256" idx="2"/>
+            <a:endCxn id="221" idx="0"/>
           </p:cNvCxnSpPr>
           <p:nvPr/>
         </p:nvCxnSpPr>
         <p:spPr>
-          <a:xfrm flipH="1" flipV="1">
-            <a:off x="4422557" y="-178765"/>
-            <a:ext cx="4911" cy="388439"/>
+          <a:xfrm>
+            <a:off x="7202709" y="1313893"/>
+            <a:ext cx="9168" cy="661776"/>
           </a:xfrm>
           <a:prstGeom prst="straightConnector1">
             <a:avLst/>
@@ -6555,28 +6554,28 @@
       </p:cxnSp>
       <p:cxnSp>
         <p:nvCxnSpPr>
-          <p:cNvPr id="52" name="Straight Arrow Connector 51">
-            <a:extLst>
-              <a:ext uri="{FF2B5EF4-FFF2-40B4-BE49-F238E27FC236}">
-                <a16:creationId xmlns:a16="http://schemas.microsoft.com/office/drawing/2014/main" id="{DA3C3C0E-0722-D94F-93C1-C8405A44E605}"/>
+          <p:cNvPr id="5" name="Elbow Connector 4">
+            <a:extLst>
+              <a:ext uri="{FF2B5EF4-FFF2-40B4-BE49-F238E27FC236}">
+                <a16:creationId xmlns:a16="http://schemas.microsoft.com/office/drawing/2014/main" id="{1AE6C47C-4929-D847-970E-D8B478B58EC5}"/>
               </a:ext>
             </a:extLst>
           </p:cNvPr>
           <p:cNvCxnSpPr>
-            <a:stCxn id="256" idx="2"/>
-            <a:endCxn id="221" idx="0"/>
+            <a:stCxn id="39" idx="2"/>
+            <a:endCxn id="40" idx="3"/>
           </p:cNvCxnSpPr>
           <p:nvPr/>
         </p:nvCxnSpPr>
         <p:spPr>
-          <a:xfrm>
-            <a:off x="7202709" y="1313893"/>
-            <a:ext cx="9168" cy="661776"/>
-          </a:xfrm>
-          <a:prstGeom prst="straightConnector1">
+          <a:xfrm rot="5400000">
+            <a:off x="3431538" y="838640"/>
+            <a:ext cx="1205080" cy="786781"/>
+          </a:xfrm>
+          <a:prstGeom prst="bentConnector2">
             <a:avLst/>
           </a:prstGeom>
-          <a:ln>
+          <a:ln w="12700">
             <a:tailEnd type="triangle"/>
           </a:ln>
         </p:spPr>
